--- a/Presentación del progreso.pptx
+++ b/Presentación del progreso.pptx
@@ -6,9 +6,20 @@
   </p:sldMasterIdLst>
   <p:sldIdLst>
     <p:sldId id="256" r:id="rId2"/>
-    <p:sldId id="257" r:id="rId3"/>
-    <p:sldId id="258" r:id="rId4"/>
-    <p:sldId id="259" r:id="rId5"/>
+    <p:sldId id="267" r:id="rId3"/>
+    <p:sldId id="268" r:id="rId4"/>
+    <p:sldId id="260" r:id="rId5"/>
+    <p:sldId id="262" r:id="rId6"/>
+    <p:sldId id="263" r:id="rId7"/>
+    <p:sldId id="258" r:id="rId8"/>
+    <p:sldId id="257" r:id="rId9"/>
+    <p:sldId id="261" r:id="rId10"/>
+    <p:sldId id="264" r:id="rId11"/>
+    <p:sldId id="265" r:id="rId12"/>
+    <p:sldId id="266" r:id="rId13"/>
+    <p:sldId id="269" r:id="rId14"/>
+    <p:sldId id="270" r:id="rId15"/>
+    <p:sldId id="259" r:id="rId16"/>
   </p:sldIdLst>
   <p:sldSz cx="12192000" cy="6858000"/>
   <p:notesSz cx="6858000" cy="9144000"/>
@@ -266,7 +277,7 @@
               <a:rPr lang="es-MX" smtClean="0"/>
               <a:t>12/11/2023</a:t>
             </a:fld>
-            <a:endParaRPr lang="es-MX"/>
+            <a:endParaRPr lang="es-MX" dirty="0"/>
           </a:p>
         </p:txBody>
       </p:sp>
@@ -291,7 +302,7 @@
           <a:bodyPr/>
           <a:lstStyle/>
           <a:p>
-            <a:endParaRPr lang="es-MX"/>
+            <a:endParaRPr lang="es-MX" dirty="0"/>
           </a:p>
         </p:txBody>
       </p:sp>
@@ -320,7 +331,7 @@
               <a:rPr lang="es-MX" smtClean="0"/>
               <a:t>‹Nº›</a:t>
             </a:fld>
-            <a:endParaRPr lang="es-MX"/>
+            <a:endParaRPr lang="es-MX" dirty="0"/>
           </a:p>
         </p:txBody>
       </p:sp>
@@ -466,7 +477,7 @@
               <a:rPr lang="es-MX" smtClean="0"/>
               <a:t>12/11/2023</a:t>
             </a:fld>
-            <a:endParaRPr lang="es-MX"/>
+            <a:endParaRPr lang="es-MX" dirty="0"/>
           </a:p>
         </p:txBody>
       </p:sp>
@@ -491,7 +502,7 @@
           <a:bodyPr/>
           <a:lstStyle/>
           <a:p>
-            <a:endParaRPr lang="es-MX"/>
+            <a:endParaRPr lang="es-MX" dirty="0"/>
           </a:p>
         </p:txBody>
       </p:sp>
@@ -520,7 +531,7 @@
               <a:rPr lang="es-MX" smtClean="0"/>
               <a:t>‹Nº›</a:t>
             </a:fld>
-            <a:endParaRPr lang="es-MX"/>
+            <a:endParaRPr lang="es-MX" dirty="0"/>
           </a:p>
         </p:txBody>
       </p:sp>
@@ -676,7 +687,7 @@
               <a:rPr lang="es-MX" smtClean="0"/>
               <a:t>12/11/2023</a:t>
             </a:fld>
-            <a:endParaRPr lang="es-MX"/>
+            <a:endParaRPr lang="es-MX" dirty="0"/>
           </a:p>
         </p:txBody>
       </p:sp>
@@ -701,7 +712,7 @@
           <a:bodyPr/>
           <a:lstStyle/>
           <a:p>
-            <a:endParaRPr lang="es-MX"/>
+            <a:endParaRPr lang="es-MX" dirty="0"/>
           </a:p>
         </p:txBody>
       </p:sp>
@@ -730,7 +741,7 @@
               <a:rPr lang="es-MX" smtClean="0"/>
               <a:t>‹Nº›</a:t>
             </a:fld>
-            <a:endParaRPr lang="es-MX"/>
+            <a:endParaRPr lang="es-MX" dirty="0"/>
           </a:p>
         </p:txBody>
       </p:sp>
@@ -876,7 +887,7 @@
               <a:rPr lang="es-MX" smtClean="0"/>
               <a:t>12/11/2023</a:t>
             </a:fld>
-            <a:endParaRPr lang="es-MX"/>
+            <a:endParaRPr lang="es-MX" dirty="0"/>
           </a:p>
         </p:txBody>
       </p:sp>
@@ -901,7 +912,7 @@
           <a:bodyPr/>
           <a:lstStyle/>
           <a:p>
-            <a:endParaRPr lang="es-MX"/>
+            <a:endParaRPr lang="es-MX" dirty="0"/>
           </a:p>
         </p:txBody>
       </p:sp>
@@ -930,7 +941,7 @@
               <a:rPr lang="es-MX" smtClean="0"/>
               <a:t>‹Nº›</a:t>
             </a:fld>
-            <a:endParaRPr lang="es-MX"/>
+            <a:endParaRPr lang="es-MX" dirty="0"/>
           </a:p>
         </p:txBody>
       </p:sp>
@@ -1152,7 +1163,7 @@
               <a:rPr lang="es-MX" smtClean="0"/>
               <a:t>12/11/2023</a:t>
             </a:fld>
-            <a:endParaRPr lang="es-MX"/>
+            <a:endParaRPr lang="es-MX" dirty="0"/>
           </a:p>
         </p:txBody>
       </p:sp>
@@ -1177,7 +1188,7 @@
           <a:bodyPr/>
           <a:lstStyle/>
           <a:p>
-            <a:endParaRPr lang="es-MX"/>
+            <a:endParaRPr lang="es-MX" dirty="0"/>
           </a:p>
         </p:txBody>
       </p:sp>
@@ -1206,7 +1217,7 @@
               <a:rPr lang="es-MX" smtClean="0"/>
               <a:t>‹Nº›</a:t>
             </a:fld>
-            <a:endParaRPr lang="es-MX"/>
+            <a:endParaRPr lang="es-MX" dirty="0"/>
           </a:p>
         </p:txBody>
       </p:sp>
@@ -1420,7 +1431,7 @@
               <a:rPr lang="es-MX" smtClean="0"/>
               <a:t>12/11/2023</a:t>
             </a:fld>
-            <a:endParaRPr lang="es-MX"/>
+            <a:endParaRPr lang="es-MX" dirty="0"/>
           </a:p>
         </p:txBody>
       </p:sp>
@@ -1445,7 +1456,7 @@
           <a:bodyPr/>
           <a:lstStyle/>
           <a:p>
-            <a:endParaRPr lang="es-MX"/>
+            <a:endParaRPr lang="es-MX" dirty="0"/>
           </a:p>
         </p:txBody>
       </p:sp>
@@ -1474,7 +1485,7 @@
               <a:rPr lang="es-MX" smtClean="0"/>
               <a:t>‹Nº›</a:t>
             </a:fld>
-            <a:endParaRPr lang="es-MX"/>
+            <a:endParaRPr lang="es-MX" dirty="0"/>
           </a:p>
         </p:txBody>
       </p:sp>
@@ -1835,7 +1846,7 @@
               <a:rPr lang="es-MX" smtClean="0"/>
               <a:t>12/11/2023</a:t>
             </a:fld>
-            <a:endParaRPr lang="es-MX"/>
+            <a:endParaRPr lang="es-MX" dirty="0"/>
           </a:p>
         </p:txBody>
       </p:sp>
@@ -1860,7 +1871,7 @@
           <a:bodyPr/>
           <a:lstStyle/>
           <a:p>
-            <a:endParaRPr lang="es-MX"/>
+            <a:endParaRPr lang="es-MX" dirty="0"/>
           </a:p>
         </p:txBody>
       </p:sp>
@@ -1889,7 +1900,7 @@
               <a:rPr lang="es-MX" smtClean="0"/>
               <a:t>‹Nº›</a:t>
             </a:fld>
-            <a:endParaRPr lang="es-MX"/>
+            <a:endParaRPr lang="es-MX" dirty="0"/>
           </a:p>
         </p:txBody>
       </p:sp>
@@ -1977,7 +1988,7 @@
               <a:rPr lang="es-MX" smtClean="0"/>
               <a:t>12/11/2023</a:t>
             </a:fld>
-            <a:endParaRPr lang="es-MX"/>
+            <a:endParaRPr lang="es-MX" dirty="0"/>
           </a:p>
         </p:txBody>
       </p:sp>
@@ -2002,7 +2013,7 @@
           <a:bodyPr/>
           <a:lstStyle/>
           <a:p>
-            <a:endParaRPr lang="es-MX"/>
+            <a:endParaRPr lang="es-MX" dirty="0"/>
           </a:p>
         </p:txBody>
       </p:sp>
@@ -2031,7 +2042,7 @@
               <a:rPr lang="es-MX" smtClean="0"/>
               <a:t>‹Nº›</a:t>
             </a:fld>
-            <a:endParaRPr lang="es-MX"/>
+            <a:endParaRPr lang="es-MX" dirty="0"/>
           </a:p>
         </p:txBody>
       </p:sp>
@@ -2090,7 +2101,7 @@
               <a:rPr lang="es-MX" smtClean="0"/>
               <a:t>12/11/2023</a:t>
             </a:fld>
-            <a:endParaRPr lang="es-MX"/>
+            <a:endParaRPr lang="es-MX" dirty="0"/>
           </a:p>
         </p:txBody>
       </p:sp>
@@ -2115,7 +2126,7 @@
           <a:bodyPr/>
           <a:lstStyle/>
           <a:p>
-            <a:endParaRPr lang="es-MX"/>
+            <a:endParaRPr lang="es-MX" dirty="0"/>
           </a:p>
         </p:txBody>
       </p:sp>
@@ -2144,7 +2155,7 @@
               <a:rPr lang="es-MX" smtClean="0"/>
               <a:t>‹Nº›</a:t>
             </a:fld>
-            <a:endParaRPr lang="es-MX"/>
+            <a:endParaRPr lang="es-MX" dirty="0"/>
           </a:p>
         </p:txBody>
       </p:sp>
@@ -2403,7 +2414,7 @@
               <a:rPr lang="es-MX" smtClean="0"/>
               <a:t>12/11/2023</a:t>
             </a:fld>
-            <a:endParaRPr lang="es-MX"/>
+            <a:endParaRPr lang="es-MX" dirty="0"/>
           </a:p>
         </p:txBody>
       </p:sp>
@@ -2428,7 +2439,7 @@
           <a:bodyPr/>
           <a:lstStyle/>
           <a:p>
-            <a:endParaRPr lang="es-MX"/>
+            <a:endParaRPr lang="es-MX" dirty="0"/>
           </a:p>
         </p:txBody>
       </p:sp>
@@ -2457,7 +2468,7 @@
               <a:rPr lang="es-MX" smtClean="0"/>
               <a:t>‹Nº›</a:t>
             </a:fld>
-            <a:endParaRPr lang="es-MX"/>
+            <a:endParaRPr lang="es-MX" dirty="0"/>
           </a:p>
         </p:txBody>
       </p:sp>
@@ -2592,7 +2603,7 @@
             </a:lvl9pPr>
           </a:lstStyle>
           <a:p>
-            <a:endParaRPr lang="es-MX"/>
+            <a:endParaRPr lang="es-MX" dirty="0"/>
           </a:p>
         </p:txBody>
       </p:sp>
@@ -2692,7 +2703,7 @@
               <a:rPr lang="es-MX" smtClean="0"/>
               <a:t>12/11/2023</a:t>
             </a:fld>
-            <a:endParaRPr lang="es-MX"/>
+            <a:endParaRPr lang="es-MX" dirty="0"/>
           </a:p>
         </p:txBody>
       </p:sp>
@@ -2717,7 +2728,7 @@
           <a:bodyPr/>
           <a:lstStyle/>
           <a:p>
-            <a:endParaRPr lang="es-MX"/>
+            <a:endParaRPr lang="es-MX" dirty="0"/>
           </a:p>
         </p:txBody>
       </p:sp>
@@ -2746,7 +2757,7 @@
               <a:rPr lang="es-MX" smtClean="0"/>
               <a:t>‹Nº›</a:t>
             </a:fld>
-            <a:endParaRPr lang="es-MX"/>
+            <a:endParaRPr lang="es-MX" dirty="0"/>
           </a:p>
         </p:txBody>
       </p:sp>
@@ -2935,7 +2946,7 @@
               <a:rPr lang="es-MX" smtClean="0"/>
               <a:t>12/11/2023</a:t>
             </a:fld>
-            <a:endParaRPr lang="es-MX"/>
+            <a:endParaRPr lang="es-MX" dirty="0"/>
           </a:p>
         </p:txBody>
       </p:sp>
@@ -2978,7 +2989,7 @@
             </a:lvl1pPr>
           </a:lstStyle>
           <a:p>
-            <a:endParaRPr lang="es-MX"/>
+            <a:endParaRPr lang="es-MX" dirty="0"/>
           </a:p>
         </p:txBody>
       </p:sp>
@@ -3025,7 +3036,7 @@
               <a:rPr lang="es-MX" smtClean="0"/>
               <a:t>‹Nº›</a:t>
             </a:fld>
-            <a:endParaRPr lang="es-MX"/>
+            <a:endParaRPr lang="es-MX" dirty="0"/>
           </a:p>
         </p:txBody>
       </p:sp>
@@ -3336,6 +3347,14 @@
 <file path=ppt/slides/slide1.xml><?xml version="1.0" encoding="utf-8"?>
 <p:sld xmlns:a="http://schemas.openxmlformats.org/drawingml/2006/main" xmlns:r="http://schemas.openxmlformats.org/officeDocument/2006/relationships" xmlns:p="http://schemas.openxmlformats.org/presentationml/2006/main">
   <p:cSld>
+    <p:bg>
+      <p:bgPr>
+        <a:solidFill>
+          <a:schemeClr val="bg1"/>
+        </a:solidFill>
+        <a:effectLst/>
+      </p:bgPr>
+    </p:bg>
     <p:spTree>
       <p:nvGrpSpPr>
         <p:cNvPr id="1" name=""/>
@@ -3350,6 +3369,628 @@
           <a:chExt cx="0" cy="0"/>
         </a:xfrm>
       </p:grpSpPr>
+      <p:sp useBgFill="1">
+        <p:nvSpPr>
+          <p:cNvPr id="8" name="Rectangle 7">
+            <a:extLst>
+              <a:ext uri="{FF2B5EF4-FFF2-40B4-BE49-F238E27FC236}">
+                <a16:creationId xmlns:a16="http://schemas.microsoft.com/office/drawing/2014/main" id="{09588DA8-065E-4F6F-8EFD-43104AB2E0CF}"/>
+              </a:ext>
+              <a:ext uri="{C183D7F6-B498-43B3-948B-1728B52AA6E4}">
+                <adec:decorative xmlns:adec="http://schemas.microsoft.com/office/drawing/2017/decorative" val="1"/>
+              </a:ext>
+            </a:extLst>
+          </p:cNvPr>
+          <p:cNvSpPr>
+            <a:spLocks noGrp="1" noRot="1" noChangeAspect="1" noMove="1" noResize="1" noEditPoints="1" noAdjustHandles="1" noChangeArrowheads="1" noChangeShapeType="1" noTextEdit="1"/>
+          </p:cNvSpPr>
+          <p:nvPr>
+            <p:extLst>
+              <p:ext uri="{386F3935-93C4-4BCD-93E2-E3B085C9AB24}">
+                <p16:designElem xmlns:p16="http://schemas.microsoft.com/office/powerpoint/2015/main" val="1"/>
+              </p:ext>
+            </p:extLst>
+          </p:nvPr>
+        </p:nvSpPr>
+        <p:spPr>
+          <a:xfrm>
+            <a:off x="0" y="0"/>
+            <a:ext cx="12192000" cy="6858000"/>
+          </a:xfrm>
+          <a:prstGeom prst="rect">
+            <a:avLst/>
+          </a:prstGeom>
+          <a:ln w="12700" cap="flat" cmpd="sng" algn="ctr">
+            <a:noFill/>
+            <a:prstDash val="solid"/>
+            <a:miter lim="800000"/>
+          </a:ln>
+          <a:effectLst/>
+          <a:extLst>
+            <a:ext uri="{91240B29-F687-4F45-9708-019B960494DF}">
+              <a14:hiddenLine xmlns:a14="http://schemas.microsoft.com/office/drawing/2010/main" w="12700" cap="flat" cmpd="sng" algn="ctr">
+                <a:solidFill>
+                  <a:schemeClr val="accent1">
+                    <a:shade val="50000"/>
+                  </a:schemeClr>
+                </a:solidFill>
+                <a:prstDash val="solid"/>
+                <a:miter lim="800000"/>
+              </a14:hiddenLine>
+            </a:ext>
+          </a:extLst>
+        </p:spPr>
+        <p:style>
+          <a:lnRef idx="2">
+            <a:schemeClr val="accent1">
+              <a:shade val="50000"/>
+            </a:schemeClr>
+          </a:lnRef>
+          <a:fillRef idx="1">
+            <a:schemeClr val="accent1"/>
+          </a:fillRef>
+          <a:effectRef idx="0">
+            <a:schemeClr val="accent1"/>
+          </a:effectRef>
+          <a:fontRef idx="minor">
+            <a:schemeClr val="lt1"/>
+          </a:fontRef>
+        </p:style>
+        <p:txBody>
+          <a:bodyPr rtlCol="0" anchor="ctr"/>
+          <a:lstStyle/>
+          <a:p>
+            <a:pPr algn="ctr"/>
+            <a:endParaRPr lang="en-US" dirty="0"/>
+          </a:p>
+        </p:txBody>
+      </p:sp>
+      <p:sp useBgFill="1">
+        <p:nvSpPr>
+          <p:cNvPr id="10" name="Rectangle 9">
+            <a:extLst>
+              <a:ext uri="{FF2B5EF4-FFF2-40B4-BE49-F238E27FC236}">
+                <a16:creationId xmlns:a16="http://schemas.microsoft.com/office/drawing/2014/main" id="{C4285719-470E-454C-AF62-8323075F1F5B}"/>
+              </a:ext>
+              <a:ext uri="{C183D7F6-B498-43B3-948B-1728B52AA6E4}">
+                <adec:decorative xmlns:adec="http://schemas.microsoft.com/office/drawing/2017/decorative" val="1"/>
+              </a:ext>
+            </a:extLst>
+          </p:cNvPr>
+          <p:cNvSpPr>
+            <a:spLocks noGrp="1" noRot="1" noChangeAspect="1" noMove="1" noResize="1" noEditPoints="1" noAdjustHandles="1" noChangeArrowheads="1" noChangeShapeType="1" noTextEdit="1"/>
+          </p:cNvSpPr>
+          <p:nvPr>
+            <p:extLst>
+              <p:ext uri="{386F3935-93C4-4BCD-93E2-E3B085C9AB24}">
+                <p16:designElem xmlns:p16="http://schemas.microsoft.com/office/powerpoint/2015/main" val="1"/>
+              </p:ext>
+            </p:extLst>
+          </p:nvPr>
+        </p:nvSpPr>
+        <p:spPr>
+          <a:xfrm>
+            <a:off x="0" y="0"/>
+            <a:ext cx="12188952" cy="6858000"/>
+          </a:xfrm>
+          <a:prstGeom prst="rect">
+            <a:avLst/>
+          </a:prstGeom>
+          <a:ln w="12700" cap="flat" cmpd="sng" algn="ctr">
+            <a:noFill/>
+            <a:prstDash val="solid"/>
+            <a:miter lim="800000"/>
+          </a:ln>
+          <a:effectLst/>
+          <a:extLst>
+            <a:ext uri="{91240B29-F687-4F45-9708-019B960494DF}">
+              <a14:hiddenLine xmlns:a14="http://schemas.microsoft.com/office/drawing/2010/main" w="12700" cap="flat" cmpd="sng" algn="ctr">
+                <a:solidFill>
+                  <a:schemeClr val="accent1">
+                    <a:shade val="50000"/>
+                  </a:schemeClr>
+                </a:solidFill>
+                <a:prstDash val="solid"/>
+                <a:miter lim="800000"/>
+              </a14:hiddenLine>
+            </a:ext>
+          </a:extLst>
+        </p:spPr>
+        <p:style>
+          <a:lnRef idx="2">
+            <a:schemeClr val="accent1">
+              <a:shade val="50000"/>
+            </a:schemeClr>
+          </a:lnRef>
+          <a:fillRef idx="1">
+            <a:schemeClr val="accent1"/>
+          </a:fillRef>
+          <a:effectRef idx="0">
+            <a:schemeClr val="accent1"/>
+          </a:effectRef>
+          <a:fontRef idx="minor">
+            <a:schemeClr val="lt1"/>
+          </a:fontRef>
+        </p:style>
+        <p:txBody>
+          <a:bodyPr rtlCol="0" anchor="ctr"/>
+          <a:lstStyle/>
+          <a:p>
+            <a:pPr algn="ctr"/>
+            <a:endParaRPr lang="en-US" dirty="0"/>
+          </a:p>
+        </p:txBody>
+      </p:sp>
+      <p:sp>
+        <p:nvSpPr>
+          <p:cNvPr id="12" name="Rectangle 11">
+            <a:extLst>
+              <a:ext uri="{FF2B5EF4-FFF2-40B4-BE49-F238E27FC236}">
+                <a16:creationId xmlns:a16="http://schemas.microsoft.com/office/drawing/2014/main" id="{CD9FE4EF-C4D8-49A0-B2FF-81D8DB7D8A24}"/>
+              </a:ext>
+              <a:ext uri="{C183D7F6-B498-43B3-948B-1728B52AA6E4}">
+                <adec:decorative xmlns:adec="http://schemas.microsoft.com/office/drawing/2017/decorative" val="1"/>
+              </a:ext>
+            </a:extLst>
+          </p:cNvPr>
+          <p:cNvSpPr>
+            <a:spLocks noGrp="1" noRot="1" noChangeAspect="1" noMove="1" noResize="1" noEditPoints="1" noAdjustHandles="1" noChangeArrowheads="1" noChangeShapeType="1" noTextEdit="1"/>
+          </p:cNvSpPr>
+          <p:nvPr>
+            <p:extLst>
+              <p:ext uri="{386F3935-93C4-4BCD-93E2-E3B085C9AB24}">
+                <p16:designElem xmlns:p16="http://schemas.microsoft.com/office/powerpoint/2015/main" val="1"/>
+              </p:ext>
+            </p:extLst>
+          </p:nvPr>
+        </p:nvSpPr>
+        <p:spPr>
+          <a:xfrm rot="5400000" flipH="1">
+            <a:off x="-1410084" y="1410082"/>
+            <a:ext cx="6858000" cy="4037836"/>
+          </a:xfrm>
+          <a:prstGeom prst="rect">
+            <a:avLst/>
+          </a:prstGeom>
+          <a:gradFill>
+            <a:gsLst>
+              <a:gs pos="8000">
+                <a:srgbClr val="000000"/>
+              </a:gs>
+              <a:gs pos="100000">
+                <a:schemeClr val="accent1">
+                  <a:lumMod val="75000"/>
+                </a:schemeClr>
+              </a:gs>
+            </a:gsLst>
+            <a:lin ang="3000000" scaled="0"/>
+          </a:gradFill>
+          <a:ln>
+            <a:noFill/>
+          </a:ln>
+        </p:spPr>
+        <p:style>
+          <a:lnRef idx="2">
+            <a:schemeClr val="accent1">
+              <a:shade val="50000"/>
+            </a:schemeClr>
+          </a:lnRef>
+          <a:fillRef idx="1">
+            <a:schemeClr val="accent1"/>
+          </a:fillRef>
+          <a:effectRef idx="0">
+            <a:schemeClr val="accent1"/>
+          </a:effectRef>
+          <a:fontRef idx="minor">
+            <a:schemeClr val="lt1"/>
+          </a:fontRef>
+        </p:style>
+        <p:txBody>
+          <a:bodyPr rtlCol="0" anchor="ctr"/>
+          <a:lstStyle/>
+          <a:p>
+            <a:pPr algn="ctr"/>
+            <a:endParaRPr lang="en-US" dirty="0"/>
+          </a:p>
+        </p:txBody>
+      </p:sp>
+      <p:sp>
+        <p:nvSpPr>
+          <p:cNvPr id="14" name="Rectangle 13">
+            <a:extLst>
+              <a:ext uri="{FF2B5EF4-FFF2-40B4-BE49-F238E27FC236}">
+                <a16:creationId xmlns:a16="http://schemas.microsoft.com/office/drawing/2014/main" id="{4300840D-0A0B-4512-BACA-B439D5B9C57C}"/>
+              </a:ext>
+              <a:ext uri="{C183D7F6-B498-43B3-948B-1728B52AA6E4}">
+                <adec:decorative xmlns:adec="http://schemas.microsoft.com/office/drawing/2017/decorative" val="1"/>
+              </a:ext>
+            </a:extLst>
+          </p:cNvPr>
+          <p:cNvSpPr>
+            <a:spLocks noGrp="1" noRot="1" noChangeAspect="1" noMove="1" noResize="1" noEditPoints="1" noAdjustHandles="1" noChangeArrowheads="1" noChangeShapeType="1" noTextEdit="1"/>
+          </p:cNvSpPr>
+          <p:nvPr>
+            <p:extLst>
+              <p:ext uri="{386F3935-93C4-4BCD-93E2-E3B085C9AB24}">
+                <p16:designElem xmlns:p16="http://schemas.microsoft.com/office/powerpoint/2015/main" val="1"/>
+              </p:ext>
+            </p:extLst>
+          </p:nvPr>
+        </p:nvSpPr>
+        <p:spPr>
+          <a:xfrm rot="5400000" flipH="1">
+            <a:off x="-1410085" y="1420219"/>
+            <a:ext cx="6857999" cy="4037839"/>
+          </a:xfrm>
+          <a:prstGeom prst="rect">
+            <a:avLst/>
+          </a:prstGeom>
+          <a:gradFill>
+            <a:gsLst>
+              <a:gs pos="0">
+                <a:srgbClr val="000000">
+                  <a:alpha val="0"/>
+                </a:srgbClr>
+              </a:gs>
+              <a:gs pos="99000">
+                <a:schemeClr val="accent1">
+                  <a:alpha val="46000"/>
+                </a:schemeClr>
+              </a:gs>
+            </a:gsLst>
+            <a:lin ang="1800000" scaled="0"/>
+          </a:gradFill>
+          <a:ln>
+            <a:noFill/>
+          </a:ln>
+        </p:spPr>
+        <p:style>
+          <a:lnRef idx="2">
+            <a:schemeClr val="accent1">
+              <a:shade val="50000"/>
+            </a:schemeClr>
+          </a:lnRef>
+          <a:fillRef idx="1">
+            <a:schemeClr val="accent1"/>
+          </a:fillRef>
+          <a:effectRef idx="0">
+            <a:schemeClr val="accent1"/>
+          </a:effectRef>
+          <a:fontRef idx="minor">
+            <a:schemeClr val="lt1"/>
+          </a:fontRef>
+        </p:style>
+        <p:txBody>
+          <a:bodyPr rtlCol="0" anchor="ctr"/>
+          <a:lstStyle/>
+          <a:p>
+            <a:pPr algn="ctr"/>
+            <a:endParaRPr lang="en-US" dirty="0"/>
+          </a:p>
+        </p:txBody>
+      </p:sp>
+      <p:sp>
+        <p:nvSpPr>
+          <p:cNvPr id="16" name="Rectangle 15">
+            <a:extLst>
+              <a:ext uri="{FF2B5EF4-FFF2-40B4-BE49-F238E27FC236}">
+                <a16:creationId xmlns:a16="http://schemas.microsoft.com/office/drawing/2014/main" id="{D2B78728-A580-49A7-84F9-6EF6F583ADE0}"/>
+              </a:ext>
+              <a:ext uri="{C183D7F6-B498-43B3-948B-1728B52AA6E4}">
+                <adec:decorative xmlns:adec="http://schemas.microsoft.com/office/drawing/2017/decorative" val="1"/>
+              </a:ext>
+            </a:extLst>
+          </p:cNvPr>
+          <p:cNvSpPr>
+            <a:spLocks noGrp="1" noRot="1" noChangeAspect="1" noMove="1" noResize="1" noEditPoints="1" noAdjustHandles="1" noChangeArrowheads="1" noChangeShapeType="1" noTextEdit="1"/>
+          </p:cNvSpPr>
+          <p:nvPr>
+            <p:extLst>
+              <p:ext uri="{386F3935-93C4-4BCD-93E2-E3B085C9AB24}">
+                <p16:designElem xmlns:p16="http://schemas.microsoft.com/office/powerpoint/2015/main" val="1"/>
+              </p:ext>
+            </p:extLst>
+          </p:nvPr>
+        </p:nvSpPr>
+        <p:spPr>
+          <a:xfrm rot="5400000" flipH="1">
+            <a:off x="767923" y="3588085"/>
+            <a:ext cx="2501979" cy="4037841"/>
+          </a:xfrm>
+          <a:prstGeom prst="rect">
+            <a:avLst/>
+          </a:prstGeom>
+          <a:gradFill>
+            <a:gsLst>
+              <a:gs pos="2000">
+                <a:schemeClr val="accent1">
+                  <a:alpha val="29000"/>
+                </a:schemeClr>
+              </a:gs>
+              <a:gs pos="100000">
+                <a:srgbClr val="000000">
+                  <a:alpha val="30000"/>
+                </a:srgbClr>
+              </a:gs>
+            </a:gsLst>
+            <a:lin ang="7800000" scaled="0"/>
+          </a:gradFill>
+          <a:ln>
+            <a:noFill/>
+          </a:ln>
+        </p:spPr>
+        <p:style>
+          <a:lnRef idx="2">
+            <a:schemeClr val="accent1">
+              <a:shade val="50000"/>
+            </a:schemeClr>
+          </a:lnRef>
+          <a:fillRef idx="1">
+            <a:schemeClr val="accent1"/>
+          </a:fillRef>
+          <a:effectRef idx="0">
+            <a:schemeClr val="accent1"/>
+          </a:effectRef>
+          <a:fontRef idx="minor">
+            <a:schemeClr val="lt1"/>
+          </a:fontRef>
+        </p:style>
+        <p:txBody>
+          <a:bodyPr rtlCol="0" anchor="ctr"/>
+          <a:lstStyle/>
+          <a:p>
+            <a:pPr algn="ctr"/>
+            <a:endParaRPr lang="en-US" dirty="0"/>
+          </a:p>
+        </p:txBody>
+      </p:sp>
+      <p:sp>
+        <p:nvSpPr>
+          <p:cNvPr id="18" name="Freeform: Shape 17">
+            <a:extLst>
+              <a:ext uri="{FF2B5EF4-FFF2-40B4-BE49-F238E27FC236}">
+                <a16:creationId xmlns:a16="http://schemas.microsoft.com/office/drawing/2014/main" id="{38FAA1A1-D861-433F-88FA-1E9D6FD31D11}"/>
+              </a:ext>
+              <a:ext uri="{C183D7F6-B498-43B3-948B-1728B52AA6E4}">
+                <adec:decorative xmlns:adec="http://schemas.microsoft.com/office/drawing/2017/decorative" val="1"/>
+              </a:ext>
+            </a:extLst>
+          </p:cNvPr>
+          <p:cNvSpPr>
+            <a:spLocks noGrp="1" noRot="1" noChangeAspect="1" noMove="1" noResize="1" noEditPoints="1" noAdjustHandles="1" noChangeArrowheads="1" noChangeShapeType="1" noTextEdit="1"/>
+          </p:cNvSpPr>
+          <p:nvPr>
+            <p:extLst>
+              <p:ext uri="{386F3935-93C4-4BCD-93E2-E3B085C9AB24}">
+                <p16:designElem xmlns:p16="http://schemas.microsoft.com/office/powerpoint/2015/main" val="1"/>
+              </p:ext>
+            </p:extLst>
+          </p:nvPr>
+        </p:nvSpPr>
+        <p:spPr>
+          <a:xfrm rot="20635413">
+            <a:off x="-501737" y="969718"/>
+            <a:ext cx="3900357" cy="4178958"/>
+          </a:xfrm>
+          <a:custGeom>
+            <a:avLst/>
+            <a:gdLst>
+              <a:gd name="connsiteX0" fmla="*/ 2432225 w 3900357"/>
+              <a:gd name="connsiteY0" fmla="*/ 93939 h 4178958"/>
+              <a:gd name="connsiteX1" fmla="*/ 3900357 w 3900357"/>
+              <a:gd name="connsiteY1" fmla="*/ 2089479 h 4178958"/>
+              <a:gd name="connsiteX2" fmla="*/ 1810878 w 3900357"/>
+              <a:gd name="connsiteY2" fmla="*/ 4178958 h 4178958"/>
+              <a:gd name="connsiteX3" fmla="*/ 78249 w 3900357"/>
+              <a:gd name="connsiteY3" fmla="*/ 3257727 h 4178958"/>
+              <a:gd name="connsiteX4" fmla="*/ 0 w 3900357"/>
+              <a:gd name="connsiteY4" fmla="*/ 3128923 h 4178958"/>
+              <a:gd name="connsiteX5" fmla="*/ 831324 w 3900357"/>
+              <a:gd name="connsiteY5" fmla="*/ 244281 h 4178958"/>
+              <a:gd name="connsiteX6" fmla="*/ 997559 w 3900357"/>
+              <a:gd name="connsiteY6" fmla="*/ 164202 h 4178958"/>
+              <a:gd name="connsiteX7" fmla="*/ 1810878 w 3900357"/>
+              <a:gd name="connsiteY7" fmla="*/ 0 h 4178958"/>
+              <a:gd name="connsiteX8" fmla="*/ 2432225 w 3900357"/>
+              <a:gd name="connsiteY8" fmla="*/ 93939 h 4178958"/>
+            </a:gdLst>
+            <a:ahLst/>
+            <a:cxnLst>
+              <a:cxn ang="0">
+                <a:pos x="connsiteX0" y="connsiteY0"/>
+              </a:cxn>
+              <a:cxn ang="0">
+                <a:pos x="connsiteX1" y="connsiteY1"/>
+              </a:cxn>
+              <a:cxn ang="0">
+                <a:pos x="connsiteX2" y="connsiteY2"/>
+              </a:cxn>
+              <a:cxn ang="0">
+                <a:pos x="connsiteX3" y="connsiteY3"/>
+              </a:cxn>
+              <a:cxn ang="0">
+                <a:pos x="connsiteX4" y="connsiteY4"/>
+              </a:cxn>
+              <a:cxn ang="0">
+                <a:pos x="connsiteX5" y="connsiteY5"/>
+              </a:cxn>
+              <a:cxn ang="0">
+                <a:pos x="connsiteX6" y="connsiteY6"/>
+              </a:cxn>
+              <a:cxn ang="0">
+                <a:pos x="connsiteX7" y="connsiteY7"/>
+              </a:cxn>
+              <a:cxn ang="0">
+                <a:pos x="connsiteX8" y="connsiteY8"/>
+              </a:cxn>
+            </a:cxnLst>
+            <a:rect l="l" t="t" r="r" b="b"/>
+            <a:pathLst>
+              <a:path w="3900357" h="4178958">
+                <a:moveTo>
+                  <a:pt x="2432225" y="93939"/>
+                </a:moveTo>
+                <a:cubicBezTo>
+                  <a:pt x="3282786" y="358491"/>
+                  <a:pt x="3900357" y="1151865"/>
+                  <a:pt x="3900357" y="2089479"/>
+                </a:cubicBezTo>
+                <a:cubicBezTo>
+                  <a:pt x="3900357" y="3243466"/>
+                  <a:pt x="2964865" y="4178958"/>
+                  <a:pt x="1810878" y="4178958"/>
+                </a:cubicBezTo>
+                <a:cubicBezTo>
+                  <a:pt x="1089636" y="4178958"/>
+                  <a:pt x="453744" y="3813531"/>
+                  <a:pt x="78249" y="3257727"/>
+                </a:cubicBezTo>
+                <a:lnTo>
+                  <a:pt x="0" y="3128923"/>
+                </a:lnTo>
+                <a:lnTo>
+                  <a:pt x="831324" y="244281"/>
+                </a:lnTo>
+                <a:lnTo>
+                  <a:pt x="997559" y="164202"/>
+                </a:lnTo>
+                <a:cubicBezTo>
+                  <a:pt x="1247540" y="58468"/>
+                  <a:pt x="1522381" y="0"/>
+                  <a:pt x="1810878" y="0"/>
+                </a:cubicBezTo>
+                <a:cubicBezTo>
+                  <a:pt x="2027251" y="0"/>
+                  <a:pt x="2235942" y="32888"/>
+                  <a:pt x="2432225" y="93939"/>
+                </a:cubicBezTo>
+                <a:close/>
+              </a:path>
+            </a:pathLst>
+          </a:custGeom>
+          <a:gradFill>
+            <a:gsLst>
+              <a:gs pos="29000">
+                <a:srgbClr val="000000">
+                  <a:alpha val="0"/>
+                </a:srgbClr>
+              </a:gs>
+              <a:gs pos="100000">
+                <a:schemeClr val="accent1">
+                  <a:alpha val="43000"/>
+                </a:schemeClr>
+              </a:gs>
+            </a:gsLst>
+            <a:lin ang="1800000" scaled="0"/>
+          </a:gradFill>
+          <a:ln>
+            <a:noFill/>
+          </a:ln>
+        </p:spPr>
+        <p:style>
+          <a:lnRef idx="2">
+            <a:schemeClr val="accent1">
+              <a:shade val="50000"/>
+            </a:schemeClr>
+          </a:lnRef>
+          <a:fillRef idx="1">
+            <a:schemeClr val="accent1"/>
+          </a:fillRef>
+          <a:effectRef idx="0">
+            <a:schemeClr val="accent1"/>
+          </a:effectRef>
+          <a:fontRef idx="minor">
+            <a:schemeClr val="lt1"/>
+          </a:fontRef>
+        </p:style>
+        <p:txBody>
+          <a:bodyPr wrap="square" rtlCol="0" anchor="ctr">
+            <a:noAutofit/>
+          </a:bodyPr>
+          <a:lstStyle/>
+          <a:p>
+            <a:pPr algn="ctr"/>
+            <a:endParaRPr lang="en-US" dirty="0"/>
+          </a:p>
+        </p:txBody>
+      </p:sp>
+      <p:sp>
+        <p:nvSpPr>
+          <p:cNvPr id="20" name="Rectangle 19">
+            <a:extLst>
+              <a:ext uri="{FF2B5EF4-FFF2-40B4-BE49-F238E27FC236}">
+                <a16:creationId xmlns:a16="http://schemas.microsoft.com/office/drawing/2014/main" id="{8D71EDA1-87BF-4D5D-AB79-F346FD19278A}"/>
+              </a:ext>
+              <a:ext uri="{C183D7F6-B498-43B3-948B-1728B52AA6E4}">
+                <adec:decorative xmlns:adec="http://schemas.microsoft.com/office/drawing/2017/decorative" val="1"/>
+              </a:ext>
+            </a:extLst>
+          </p:cNvPr>
+          <p:cNvSpPr>
+            <a:spLocks noGrp="1" noRot="1" noChangeAspect="1" noMove="1" noResize="1" noEditPoints="1" noAdjustHandles="1" noChangeArrowheads="1" noChangeShapeType="1" noTextEdit="1"/>
+          </p:cNvSpPr>
+          <p:nvPr>
+            <p:extLst>
+              <p:ext uri="{386F3935-93C4-4BCD-93E2-E3B085C9AB24}">
+                <p16:designElem xmlns:p16="http://schemas.microsoft.com/office/powerpoint/2015/main" val="1"/>
+              </p:ext>
+            </p:extLst>
+          </p:nvPr>
+        </p:nvSpPr>
+        <p:spPr>
+          <a:xfrm rot="5400000" flipH="1">
+            <a:off x="-1410093" y="1399943"/>
+            <a:ext cx="6858003" cy="4037835"/>
+          </a:xfrm>
+          <a:prstGeom prst="rect">
+            <a:avLst/>
+          </a:prstGeom>
+          <a:gradFill>
+            <a:gsLst>
+              <a:gs pos="0">
+                <a:srgbClr val="000000">
+                  <a:alpha val="0"/>
+                </a:srgbClr>
+              </a:gs>
+              <a:gs pos="99000">
+                <a:schemeClr val="accent1">
+                  <a:lumMod val="60000"/>
+                  <a:lumOff val="40000"/>
+                  <a:alpha val="11000"/>
+                </a:schemeClr>
+              </a:gs>
+            </a:gsLst>
+            <a:lin ang="7200000" scaled="0"/>
+          </a:gradFill>
+          <a:ln>
+            <a:noFill/>
+          </a:ln>
+        </p:spPr>
+        <p:style>
+          <a:lnRef idx="2">
+            <a:schemeClr val="accent1">
+              <a:shade val="50000"/>
+            </a:schemeClr>
+          </a:lnRef>
+          <a:fillRef idx="1">
+            <a:schemeClr val="accent1"/>
+          </a:fillRef>
+          <a:effectRef idx="0">
+            <a:schemeClr val="accent1"/>
+          </a:effectRef>
+          <a:fontRef idx="minor">
+            <a:schemeClr val="lt1"/>
+          </a:fontRef>
+        </p:style>
+        <p:txBody>
+          <a:bodyPr rtlCol="0" anchor="ctr"/>
+          <a:lstStyle/>
+          <a:p>
+            <a:pPr algn="ctr"/>
+            <a:endParaRPr lang="en-US" dirty="0"/>
+          </a:p>
+        </p:txBody>
+      </p:sp>
       <p:sp>
         <p:nvSpPr>
           <p:cNvPr id="2" name="Título 1">
@@ -3366,20 +4007,148 @@
             <p:ph type="ctrTitle"/>
           </p:nvPr>
         </p:nvSpPr>
-        <p:spPr/>
-        <p:txBody>
-          <a:bodyPr/>
-          <a:lstStyle/>
-          <a:p>
-            <a:r>
-              <a:rPr lang="es-ES" dirty="0"/>
-              <a:t>Presentación del progreso, </a:t>
-            </a:r>
-            <a:r>
-              <a:rPr lang="es-ES"/>
-              <a:t>proyecto graficas</a:t>
-            </a:r>
-            <a:endParaRPr lang="es-MX" dirty="0"/>
+        <p:spPr>
+          <a:xfrm>
+            <a:off x="466722" y="586855"/>
+            <a:ext cx="3201366" cy="3748885"/>
+          </a:xfrm>
+        </p:spPr>
+        <p:txBody>
+          <a:bodyPr vert="horz" lIns="91440" tIns="45720" rIns="91440" bIns="45720" rtlCol="0" anchor="b">
+            <a:normAutofit fontScale="90000"/>
+          </a:bodyPr>
+          <a:lstStyle/>
+          <a:p>
+            <a:pPr algn="r"/>
+            <a:r>
+              <a:rPr lang="es-MX" sz="4000" kern="1200" dirty="0">
+                <a:solidFill>
+                  <a:srgbClr val="FFFFFF"/>
+                </a:solidFill>
+                <a:latin typeface="+mj-lt"/>
+                <a:ea typeface="+mj-ea"/>
+                <a:cs typeface="+mj-cs"/>
+              </a:rPr>
+              <a:t>Presentación</a:t>
+            </a:r>
+            <a:r>
+              <a:rPr lang="en-US" sz="4000" kern="1200" dirty="0">
+                <a:solidFill>
+                  <a:srgbClr val="FFFFFF"/>
+                </a:solidFill>
+                <a:latin typeface="+mj-lt"/>
+                <a:ea typeface="+mj-ea"/>
+                <a:cs typeface="+mj-cs"/>
+              </a:rPr>
+              <a:t> del </a:t>
+            </a:r>
+            <a:r>
+              <a:rPr lang="en-US" sz="4000" kern="1200" dirty="0" err="1">
+                <a:solidFill>
+                  <a:srgbClr val="FFFFFF"/>
+                </a:solidFill>
+                <a:latin typeface="+mj-lt"/>
+                <a:ea typeface="+mj-ea"/>
+                <a:cs typeface="+mj-cs"/>
+              </a:rPr>
+              <a:t>progreso</a:t>
+            </a:r>
+            <a:r>
+              <a:rPr lang="en-US" sz="4000" kern="1200" dirty="0">
+                <a:solidFill>
+                  <a:srgbClr val="FFFFFF"/>
+                </a:solidFill>
+                <a:latin typeface="+mj-lt"/>
+                <a:ea typeface="+mj-ea"/>
+                <a:cs typeface="+mj-cs"/>
+              </a:rPr>
+              <a:t>, </a:t>
+            </a:r>
+            <a:r>
+              <a:rPr lang="en-US" sz="4000" kern="1200" dirty="0" err="1">
+                <a:solidFill>
+                  <a:srgbClr val="FFFFFF"/>
+                </a:solidFill>
+                <a:latin typeface="+mj-lt"/>
+                <a:ea typeface="+mj-ea"/>
+                <a:cs typeface="+mj-cs"/>
+              </a:rPr>
+              <a:t>proyecto</a:t>
+            </a:r>
+            <a:r>
+              <a:rPr lang="en-US" sz="4000" kern="1200" dirty="0">
+                <a:solidFill>
+                  <a:srgbClr val="FFFFFF"/>
+                </a:solidFill>
+                <a:latin typeface="+mj-lt"/>
+                <a:ea typeface="+mj-ea"/>
+                <a:cs typeface="+mj-cs"/>
+              </a:rPr>
+              <a:t> </a:t>
+            </a:r>
+            <a:r>
+              <a:rPr lang="en-US" sz="4000" kern="1200" dirty="0" err="1">
+                <a:solidFill>
+                  <a:srgbClr val="FFFFFF"/>
+                </a:solidFill>
+                <a:latin typeface="+mj-lt"/>
+                <a:ea typeface="+mj-ea"/>
+                <a:cs typeface="+mj-cs"/>
+              </a:rPr>
+              <a:t>Gráfica</a:t>
+            </a:r>
+            <a:r>
+              <a:rPr lang="en-US" sz="4000" kern="1200" dirty="0">
+                <a:solidFill>
+                  <a:srgbClr val="FFFFFF"/>
+                </a:solidFill>
+                <a:latin typeface="+mj-lt"/>
+                <a:ea typeface="+mj-ea"/>
+                <a:cs typeface="+mj-cs"/>
+              </a:rPr>
+              <a:t> e </a:t>
+            </a:r>
+            <a:r>
+              <a:rPr lang="en-US" sz="4000" kern="1200" dirty="0" err="1">
+                <a:solidFill>
+                  <a:srgbClr val="FFFFFF"/>
+                </a:solidFill>
+                <a:latin typeface="+mj-lt"/>
+                <a:ea typeface="+mj-ea"/>
+                <a:cs typeface="+mj-cs"/>
+              </a:rPr>
+              <a:t>Interacción</a:t>
+            </a:r>
+            <a:r>
+              <a:rPr lang="en-US" sz="4000" kern="1200" dirty="0">
+                <a:solidFill>
+                  <a:srgbClr val="FFFFFF"/>
+                </a:solidFill>
+                <a:latin typeface="+mj-lt"/>
+                <a:ea typeface="+mj-ea"/>
+                <a:cs typeface="+mj-cs"/>
+              </a:rPr>
+              <a:t> Humano </a:t>
+            </a:r>
+            <a:r>
+              <a:rPr lang="en-US" sz="4000" kern="1200" dirty="0" err="1">
+                <a:solidFill>
+                  <a:srgbClr val="FFFFFF"/>
+                </a:solidFill>
+                <a:latin typeface="+mj-lt"/>
+                <a:ea typeface="+mj-ea"/>
+                <a:cs typeface="+mj-cs"/>
+              </a:rPr>
+              <a:t>Computadora</a:t>
+            </a:r>
+            <a:endParaRPr lang="en-US" sz="4000" kern="1200" dirty="0">
+              <a:solidFill>
+                <a:srgbClr val="FFFFFF"/>
+              </a:solidFill>
+              <a:latin typeface="+mj-lt"/>
+              <a:ea typeface="+mj-ea"/>
+              <a:cs typeface="+mj-cs"/>
+            </a:endParaRPr>
           </a:p>
         </p:txBody>
       </p:sp>
@@ -3399,20 +4168,121 @@
             <p:ph type="subTitle" idx="1"/>
           </p:nvPr>
         </p:nvSpPr>
-        <p:spPr/>
-        <p:txBody>
-          <a:bodyPr/>
-          <a:lstStyle/>
-          <a:p>
-            <a:r>
-              <a:rPr lang="es-ES" dirty="0"/>
-              <a:t>Barrera Peña </a:t>
-            </a:r>
-            <a:r>
-              <a:rPr lang="es-ES"/>
-              <a:t>Víctor Miguel 315346219</a:t>
-            </a:r>
-            <a:endParaRPr lang="es-MX"/>
+        <p:spPr>
+          <a:xfrm>
+            <a:off x="4810259" y="649480"/>
+            <a:ext cx="6555347" cy="5546047"/>
+          </a:xfrm>
+        </p:spPr>
+        <p:txBody>
+          <a:bodyPr vert="horz" lIns="91440" tIns="45720" rIns="91440" bIns="45720" rtlCol="0" anchor="ctr">
+            <a:normAutofit/>
+          </a:bodyPr>
+          <a:lstStyle/>
+          <a:p>
+            <a:r>
+              <a:rPr lang="en-US" sz="2000" dirty="0"/>
+              <a:t>UNIVERSIDAD NACIONAL AUTÓNOMA DE MÉXICO</a:t>
+            </a:r>
+          </a:p>
+          <a:p>
+            <a:endParaRPr lang="en-US" sz="2000" dirty="0"/>
+          </a:p>
+          <a:p>
+            <a:r>
+              <a:rPr lang="en-US" sz="2000" dirty="0"/>
+              <a:t>Museo </a:t>
+            </a:r>
+            <a:r>
+              <a:rPr lang="en-US" sz="2000" dirty="0" err="1"/>
+              <a:t>inspirado</a:t>
+            </a:r>
+            <a:r>
+              <a:rPr lang="en-US" sz="2000" dirty="0"/>
+              <a:t> </a:t>
+            </a:r>
+            <a:r>
+              <a:rPr lang="en-US" sz="2000" dirty="0" err="1"/>
+              <a:t>en</a:t>
+            </a:r>
+            <a:r>
+              <a:rPr lang="en-US" sz="2000" dirty="0"/>
+              <a:t> </a:t>
+            </a:r>
+            <a:r>
+              <a:rPr lang="en-US" sz="2000" dirty="0" err="1"/>
+              <a:t>el</a:t>
+            </a:r>
+            <a:r>
+              <a:rPr lang="en-US" sz="2000" dirty="0"/>
+              <a:t> </a:t>
+            </a:r>
+            <a:r>
+              <a:rPr lang="en-US" sz="2000" dirty="0" err="1"/>
+              <a:t>Pabellón</a:t>
+            </a:r>
+            <a:r>
+              <a:rPr lang="en-US" sz="2000" dirty="0"/>
+              <a:t> Nacional de la </a:t>
+            </a:r>
+            <a:r>
+              <a:rPr lang="en-US" sz="2000" dirty="0" err="1"/>
+              <a:t>Biodiversidad</a:t>
+            </a:r>
+            <a:endParaRPr lang="en-US" sz="2000" dirty="0"/>
+          </a:p>
+          <a:p>
+            <a:r>
+              <a:rPr lang="es-ES" sz="2000" dirty="0"/>
+              <a:t>Computación Gráfica e Interacción Humano Computadora</a:t>
+            </a:r>
+            <a:endParaRPr lang="en-US" sz="2000" dirty="0"/>
+          </a:p>
+          <a:p>
+            <a:r>
+              <a:rPr lang="en-US" sz="2000" b="1" dirty="0"/>
+              <a:t>PROFESOR(A): ING. ARTURO PEREZ DE LA CRUZ</a:t>
+            </a:r>
+          </a:p>
+          <a:p>
+            <a:endParaRPr lang="en-US" sz="2000" dirty="0"/>
+          </a:p>
+          <a:p>
+            <a:pPr algn="l"/>
+            <a:r>
+              <a:rPr lang="en-US" sz="2000" dirty="0"/>
+              <a:t>- </a:t>
+            </a:r>
+            <a:r>
+              <a:rPr lang="en-US" sz="2000" dirty="0" err="1"/>
+              <a:t>Equipo</a:t>
+            </a:r>
+            <a:r>
+              <a:rPr lang="en-US" sz="2000" dirty="0"/>
+              <a:t> 1</a:t>
+            </a:r>
+          </a:p>
+          <a:p>
+            <a:pPr algn="just"/>
+            <a:r>
+              <a:rPr lang="en-US" sz="2000" dirty="0" err="1"/>
+              <a:t>Integrantes</a:t>
+            </a:r>
+            <a:r>
+              <a:rPr lang="en-US" sz="2000" dirty="0"/>
+              <a:t>:</a:t>
+            </a:r>
+          </a:p>
+          <a:p>
+            <a:pPr algn="r"/>
+            <a:r>
+              <a:rPr lang="en-US" sz="2000" dirty="0"/>
+              <a:t>Barrera Peña Víctor Miguel 315346219</a:t>
+            </a:r>
+          </a:p>
+          <a:p>
+            <a:pPr algn="l"/>
+            <a:endParaRPr lang="en-US" sz="2000" dirty="0"/>
           </a:p>
         </p:txBody>
       </p:sp>
@@ -3429,7 +4299,1435 @@
 </p:sld>
 </file>
 
+<file path=ppt/slides/slide10.xml><?xml version="1.0" encoding="utf-8"?>
+<p:sld xmlns:a="http://schemas.openxmlformats.org/drawingml/2006/main" xmlns:r="http://schemas.openxmlformats.org/officeDocument/2006/relationships" xmlns:p="http://schemas.openxmlformats.org/presentationml/2006/main">
+  <p:cSld>
+    <p:spTree>
+      <p:nvGrpSpPr>
+        <p:cNvPr id="1" name=""/>
+        <p:cNvGrpSpPr/>
+        <p:nvPr/>
+      </p:nvGrpSpPr>
+      <p:grpSpPr>
+        <a:xfrm>
+          <a:off x="0" y="0"/>
+          <a:ext cx="0" cy="0"/>
+          <a:chOff x="0" y="0"/>
+          <a:chExt cx="0" cy="0"/>
+        </a:xfrm>
+      </p:grpSpPr>
+      <p:sp>
+        <p:nvSpPr>
+          <p:cNvPr id="2" name="Título 1">
+            <a:extLst>
+              <a:ext uri="{FF2B5EF4-FFF2-40B4-BE49-F238E27FC236}">
+                <a16:creationId xmlns:a16="http://schemas.microsoft.com/office/drawing/2014/main" id="{A9340F0C-AC03-4E00-0C02-D6B8AA70A5AC}"/>
+              </a:ext>
+            </a:extLst>
+          </p:cNvPr>
+          <p:cNvSpPr>
+            <a:spLocks noGrp="1"/>
+          </p:cNvSpPr>
+          <p:nvPr>
+            <p:ph type="title"/>
+          </p:nvPr>
+        </p:nvSpPr>
+        <p:spPr/>
+        <p:txBody>
+          <a:bodyPr/>
+          <a:lstStyle/>
+          <a:p>
+            <a:r>
+              <a:rPr lang="es-ES" dirty="0"/>
+              <a:t>Pabellón</a:t>
+            </a:r>
+            <a:endParaRPr lang="es-MX" dirty="0"/>
+          </a:p>
+        </p:txBody>
+      </p:sp>
+      <p:pic>
+        <p:nvPicPr>
+          <p:cNvPr id="5" name="Marcador de contenido 4">
+            <a:extLst>
+              <a:ext uri="{FF2B5EF4-FFF2-40B4-BE49-F238E27FC236}">
+                <a16:creationId xmlns:a16="http://schemas.microsoft.com/office/drawing/2014/main" id="{7E1E053E-A867-BC5D-F863-FF5F098B0C8A}"/>
+              </a:ext>
+            </a:extLst>
+          </p:cNvPr>
+          <p:cNvPicPr>
+            <a:picLocks noGrp="1" noChangeAspect="1"/>
+          </p:cNvPicPr>
+          <p:nvPr>
+            <p:ph idx="1"/>
+          </p:nvPr>
+        </p:nvPicPr>
+        <p:blipFill>
+          <a:blip r:embed="rId2"/>
+          <a:stretch>
+            <a:fillRect/>
+          </a:stretch>
+        </p:blipFill>
+        <p:spPr>
+          <a:xfrm>
+            <a:off x="314706" y="1690688"/>
+            <a:ext cx="6972300" cy="3343275"/>
+          </a:xfrm>
+        </p:spPr>
+      </p:pic>
+      <p:sp>
+        <p:nvSpPr>
+          <p:cNvPr id="6" name="Rectángulo 5">
+            <a:extLst>
+              <a:ext uri="{FF2B5EF4-FFF2-40B4-BE49-F238E27FC236}">
+                <a16:creationId xmlns:a16="http://schemas.microsoft.com/office/drawing/2014/main" id="{26A729E0-3140-A23D-D115-CBCE35D763C7}"/>
+              </a:ext>
+            </a:extLst>
+          </p:cNvPr>
+          <p:cNvSpPr/>
+          <p:nvPr/>
+        </p:nvSpPr>
+        <p:spPr>
+          <a:xfrm>
+            <a:off x="7946136" y="1563624"/>
+            <a:ext cx="3931158" cy="3343275"/>
+          </a:xfrm>
+          <a:prstGeom prst="rect">
+            <a:avLst/>
+          </a:prstGeom>
+        </p:spPr>
+        <p:style>
+          <a:lnRef idx="2">
+            <a:schemeClr val="accent1">
+              <a:shade val="15000"/>
+            </a:schemeClr>
+          </a:lnRef>
+          <a:fillRef idx="1">
+            <a:schemeClr val="accent1"/>
+          </a:fillRef>
+          <a:effectRef idx="0">
+            <a:schemeClr val="accent1"/>
+          </a:effectRef>
+          <a:fontRef idx="minor">
+            <a:schemeClr val="lt1"/>
+          </a:fontRef>
+        </p:style>
+        <p:txBody>
+          <a:bodyPr rtlCol="0" anchor="ctr"/>
+          <a:lstStyle/>
+          <a:p>
+            <a:pPr algn="ctr"/>
+            <a:r>
+              <a:rPr lang="es-ES" dirty="0"/>
+              <a:t>Falta detallar, colocar, y detalles, exteriores, interiores, falta la escalera y detalles estéticos externos. Además de puertas y ventas.</a:t>
+            </a:r>
+            <a:endParaRPr lang="es-MX" dirty="0"/>
+          </a:p>
+        </p:txBody>
+      </p:sp>
+    </p:spTree>
+    <p:extLst>
+      <p:ext uri="{BB962C8B-B14F-4D97-AF65-F5344CB8AC3E}">
+        <p14:creationId xmlns:p14="http://schemas.microsoft.com/office/powerpoint/2010/main" val="3389345592"/>
+      </p:ext>
+    </p:extLst>
+  </p:cSld>
+  <p:clrMapOvr>
+    <a:masterClrMapping/>
+  </p:clrMapOvr>
+</p:sld>
+</file>
+
+<file path=ppt/slides/slide11.xml><?xml version="1.0" encoding="utf-8"?>
+<p:sld xmlns:a="http://schemas.openxmlformats.org/drawingml/2006/main" xmlns:r="http://schemas.openxmlformats.org/officeDocument/2006/relationships" xmlns:p="http://schemas.openxmlformats.org/presentationml/2006/main">
+  <p:cSld>
+    <p:spTree>
+      <p:nvGrpSpPr>
+        <p:cNvPr id="1" name=""/>
+        <p:cNvGrpSpPr/>
+        <p:nvPr/>
+      </p:nvGrpSpPr>
+      <p:grpSpPr>
+        <a:xfrm>
+          <a:off x="0" y="0"/>
+          <a:ext cx="0" cy="0"/>
+          <a:chOff x="0" y="0"/>
+          <a:chExt cx="0" cy="0"/>
+        </a:xfrm>
+      </p:grpSpPr>
+      <p:sp>
+        <p:nvSpPr>
+          <p:cNvPr id="2" name="Título 1">
+            <a:extLst>
+              <a:ext uri="{FF2B5EF4-FFF2-40B4-BE49-F238E27FC236}">
+                <a16:creationId xmlns:a16="http://schemas.microsoft.com/office/drawing/2014/main" id="{1B005A34-7781-AC87-5A0E-34F87056020C}"/>
+              </a:ext>
+            </a:extLst>
+          </p:cNvPr>
+          <p:cNvSpPr>
+            <a:spLocks noGrp="1"/>
+          </p:cNvSpPr>
+          <p:nvPr>
+            <p:ph type="ctrTitle"/>
+          </p:nvPr>
+        </p:nvSpPr>
+        <p:spPr/>
+        <p:txBody>
+          <a:bodyPr/>
+          <a:lstStyle/>
+          <a:p>
+            <a:r>
+              <a:rPr lang="es-ES" dirty="0"/>
+              <a:t>Modelos descargados</a:t>
+            </a:r>
+            <a:endParaRPr lang="es-MX" dirty="0"/>
+          </a:p>
+        </p:txBody>
+      </p:sp>
+      <p:sp>
+        <p:nvSpPr>
+          <p:cNvPr id="3" name="Subtítulo 2">
+            <a:extLst>
+              <a:ext uri="{FF2B5EF4-FFF2-40B4-BE49-F238E27FC236}">
+                <a16:creationId xmlns:a16="http://schemas.microsoft.com/office/drawing/2014/main" id="{A415637D-4DC1-ECCE-2C6B-3E9C05A3C431}"/>
+              </a:ext>
+            </a:extLst>
+          </p:cNvPr>
+          <p:cNvSpPr>
+            <a:spLocks noGrp="1"/>
+          </p:cNvSpPr>
+          <p:nvPr>
+            <p:ph type="subTitle" idx="1"/>
+          </p:nvPr>
+        </p:nvSpPr>
+        <p:spPr/>
+        <p:txBody>
+          <a:bodyPr/>
+          <a:lstStyle/>
+          <a:p>
+            <a:endParaRPr lang="es-MX" dirty="0"/>
+          </a:p>
+        </p:txBody>
+      </p:sp>
+    </p:spTree>
+    <p:extLst>
+      <p:ext uri="{BB962C8B-B14F-4D97-AF65-F5344CB8AC3E}">
+        <p14:creationId xmlns:p14="http://schemas.microsoft.com/office/powerpoint/2010/main" val="656026163"/>
+      </p:ext>
+    </p:extLst>
+  </p:cSld>
+  <p:clrMapOvr>
+    <a:masterClrMapping/>
+  </p:clrMapOvr>
+</p:sld>
+</file>
+
+<file path=ppt/slides/slide12.xml><?xml version="1.0" encoding="utf-8"?>
+<p:sld xmlns:a="http://schemas.openxmlformats.org/drawingml/2006/main" xmlns:r="http://schemas.openxmlformats.org/officeDocument/2006/relationships" xmlns:p="http://schemas.openxmlformats.org/presentationml/2006/main">
+  <p:cSld>
+    <p:spTree>
+      <p:nvGrpSpPr>
+        <p:cNvPr id="1" name=""/>
+        <p:cNvGrpSpPr/>
+        <p:nvPr/>
+      </p:nvGrpSpPr>
+      <p:grpSpPr>
+        <a:xfrm>
+          <a:off x="0" y="0"/>
+          <a:ext cx="0" cy="0"/>
+          <a:chOff x="0" y="0"/>
+          <a:chExt cx="0" cy="0"/>
+        </a:xfrm>
+      </p:grpSpPr>
+      <p:sp>
+        <p:nvSpPr>
+          <p:cNvPr id="2" name="Título 1">
+            <a:extLst>
+              <a:ext uri="{FF2B5EF4-FFF2-40B4-BE49-F238E27FC236}">
+                <a16:creationId xmlns:a16="http://schemas.microsoft.com/office/drawing/2014/main" id="{5B249172-3D7D-818B-477B-5945B28EF820}"/>
+              </a:ext>
+            </a:extLst>
+          </p:cNvPr>
+          <p:cNvSpPr>
+            <a:spLocks noGrp="1"/>
+          </p:cNvSpPr>
+          <p:nvPr>
+            <p:ph type="title"/>
+          </p:nvPr>
+        </p:nvSpPr>
+        <p:spPr/>
+        <p:txBody>
+          <a:bodyPr/>
+          <a:lstStyle/>
+          <a:p>
+            <a:r>
+              <a:rPr lang="es-ES" dirty="0"/>
+              <a:t>Modelos 3d</a:t>
+            </a:r>
+            <a:endParaRPr lang="es-MX" dirty="0"/>
+          </a:p>
+        </p:txBody>
+      </p:sp>
+      <p:sp>
+        <p:nvSpPr>
+          <p:cNvPr id="3" name="Marcador de contenido 2">
+            <a:extLst>
+              <a:ext uri="{FF2B5EF4-FFF2-40B4-BE49-F238E27FC236}">
+                <a16:creationId xmlns:a16="http://schemas.microsoft.com/office/drawing/2014/main" id="{46FF6F43-57A4-5C47-8A68-E39DA83E2C31}"/>
+              </a:ext>
+            </a:extLst>
+          </p:cNvPr>
+          <p:cNvSpPr>
+            <a:spLocks noGrp="1"/>
+          </p:cNvSpPr>
+          <p:nvPr>
+            <p:ph idx="1"/>
+          </p:nvPr>
+        </p:nvSpPr>
+        <p:spPr>
+          <a:xfrm>
+            <a:off x="838200" y="1825625"/>
+            <a:ext cx="4739640" cy="2433234"/>
+          </a:xfrm>
+        </p:spPr>
+        <p:txBody>
+          <a:bodyPr/>
+          <a:lstStyle/>
+          <a:p>
+            <a:r>
+              <a:rPr lang="es-ES" dirty="0"/>
+              <a:t>Alfombra</a:t>
+            </a:r>
+          </a:p>
+          <a:p>
+            <a:r>
+              <a:rPr lang="es-ES" dirty="0"/>
+              <a:t>Elementos decorativos</a:t>
+            </a:r>
+          </a:p>
+          <a:p>
+            <a:r>
+              <a:rPr lang="es-ES" dirty="0"/>
+              <a:t>Partes de animales para colocar.</a:t>
+            </a:r>
+          </a:p>
+          <a:p>
+            <a:r>
+              <a:rPr lang="es-ES" dirty="0"/>
+              <a:t>Etc.</a:t>
+            </a:r>
+          </a:p>
+          <a:p>
+            <a:endParaRPr lang="es-ES" dirty="0"/>
+          </a:p>
+          <a:p>
+            <a:pPr marL="0" indent="0">
+              <a:buNone/>
+            </a:pPr>
+            <a:endParaRPr lang="es-ES" dirty="0"/>
+          </a:p>
+          <a:p>
+            <a:endParaRPr lang="es-MX" dirty="0"/>
+          </a:p>
+        </p:txBody>
+      </p:sp>
+      <p:pic>
+        <p:nvPicPr>
+          <p:cNvPr id="7" name="Imagen 6">
+            <a:extLst>
+              <a:ext uri="{FF2B5EF4-FFF2-40B4-BE49-F238E27FC236}">
+                <a16:creationId xmlns:a16="http://schemas.microsoft.com/office/drawing/2014/main" id="{AA63F404-9A7B-6541-B16F-98CAE123D419}"/>
+              </a:ext>
+            </a:extLst>
+          </p:cNvPr>
+          <p:cNvPicPr>
+            <a:picLocks noChangeAspect="1"/>
+          </p:cNvPicPr>
+          <p:nvPr/>
+        </p:nvPicPr>
+        <p:blipFill>
+          <a:blip r:embed="rId2"/>
+          <a:stretch>
+            <a:fillRect/>
+          </a:stretch>
+        </p:blipFill>
+        <p:spPr>
+          <a:xfrm>
+            <a:off x="7004513" y="1911096"/>
+            <a:ext cx="4676375" cy="3664458"/>
+          </a:xfrm>
+          <a:prstGeom prst="rect">
+            <a:avLst/>
+          </a:prstGeom>
+        </p:spPr>
+      </p:pic>
+      <p:pic>
+        <p:nvPicPr>
+          <p:cNvPr id="9" name="Imagen 8">
+            <a:extLst>
+              <a:ext uri="{FF2B5EF4-FFF2-40B4-BE49-F238E27FC236}">
+                <a16:creationId xmlns:a16="http://schemas.microsoft.com/office/drawing/2014/main" id="{C831C818-2875-9292-8A3A-421B23BD948A}"/>
+              </a:ext>
+            </a:extLst>
+          </p:cNvPr>
+          <p:cNvPicPr>
+            <a:picLocks noChangeAspect="1"/>
+          </p:cNvPicPr>
+          <p:nvPr/>
+        </p:nvPicPr>
+        <p:blipFill>
+          <a:blip r:embed="rId3"/>
+          <a:stretch>
+            <a:fillRect/>
+          </a:stretch>
+        </p:blipFill>
+        <p:spPr>
+          <a:xfrm>
+            <a:off x="6423101" y="-36748"/>
+            <a:ext cx="5510213" cy="2433234"/>
+          </a:xfrm>
+          <a:prstGeom prst="rect">
+            <a:avLst/>
+          </a:prstGeom>
+        </p:spPr>
+      </p:pic>
+      <p:sp>
+        <p:nvSpPr>
+          <p:cNvPr id="10" name="CuadroTexto 9">
+            <a:extLst>
+              <a:ext uri="{FF2B5EF4-FFF2-40B4-BE49-F238E27FC236}">
+                <a16:creationId xmlns:a16="http://schemas.microsoft.com/office/drawing/2014/main" id="{7C83764C-8C18-6CF4-B135-5F62C0AB9BE0}"/>
+              </a:ext>
+            </a:extLst>
+          </p:cNvPr>
+          <p:cNvSpPr txBox="1"/>
+          <p:nvPr/>
+        </p:nvSpPr>
+        <p:spPr>
+          <a:xfrm>
+            <a:off x="838200" y="4624792"/>
+            <a:ext cx="4471416" cy="923330"/>
+          </a:xfrm>
+          <a:prstGeom prst="rect">
+            <a:avLst/>
+          </a:prstGeom>
+        </p:spPr>
+        <p:style>
+          <a:lnRef idx="2">
+            <a:schemeClr val="accent1">
+              <a:shade val="15000"/>
+            </a:schemeClr>
+          </a:lnRef>
+          <a:fillRef idx="1">
+            <a:schemeClr val="accent1"/>
+          </a:fillRef>
+          <a:effectRef idx="0">
+            <a:schemeClr val="accent1"/>
+          </a:effectRef>
+          <a:fontRef idx="minor">
+            <a:schemeClr val="lt1"/>
+          </a:fontRef>
+        </p:style>
+        <p:txBody>
+          <a:bodyPr wrap="square" rtlCol="0">
+            <a:spAutoFit/>
+          </a:bodyPr>
+          <a:lstStyle/>
+          <a:p>
+            <a:r>
+              <a:rPr lang="es-ES" dirty="0"/>
+              <a:t>Todos los elementos para decorar el interior, ya existen, salvo los que se van a animar, necesitan separarse algunas piezas</a:t>
+            </a:r>
+            <a:endParaRPr lang="es-MX" dirty="0"/>
+          </a:p>
+        </p:txBody>
+      </p:sp>
+    </p:spTree>
+    <p:extLst>
+      <p:ext uri="{BB962C8B-B14F-4D97-AF65-F5344CB8AC3E}">
+        <p14:creationId xmlns:p14="http://schemas.microsoft.com/office/powerpoint/2010/main" val="434962135"/>
+      </p:ext>
+    </p:extLst>
+  </p:cSld>
+  <p:clrMapOvr>
+    <a:masterClrMapping/>
+  </p:clrMapOvr>
+</p:sld>
+</file>
+
+<file path=ppt/slides/slide13.xml><?xml version="1.0" encoding="utf-8"?>
+<p:sld xmlns:a="http://schemas.openxmlformats.org/drawingml/2006/main" xmlns:r="http://schemas.openxmlformats.org/officeDocument/2006/relationships" xmlns:p="http://schemas.openxmlformats.org/presentationml/2006/main">
+  <p:cSld>
+    <p:spTree>
+      <p:nvGrpSpPr>
+        <p:cNvPr id="1" name=""/>
+        <p:cNvGrpSpPr/>
+        <p:nvPr/>
+      </p:nvGrpSpPr>
+      <p:grpSpPr>
+        <a:xfrm>
+          <a:off x="0" y="0"/>
+          <a:ext cx="0" cy="0"/>
+          <a:chOff x="0" y="0"/>
+          <a:chExt cx="0" cy="0"/>
+        </a:xfrm>
+      </p:grpSpPr>
+      <p:sp>
+        <p:nvSpPr>
+          <p:cNvPr id="2" name="Título 1">
+            <a:extLst>
+              <a:ext uri="{FF2B5EF4-FFF2-40B4-BE49-F238E27FC236}">
+                <a16:creationId xmlns:a16="http://schemas.microsoft.com/office/drawing/2014/main" id="{AF301F4F-C11F-DADE-D799-B7EC637D90F4}"/>
+              </a:ext>
+            </a:extLst>
+          </p:cNvPr>
+          <p:cNvSpPr>
+            <a:spLocks noGrp="1"/>
+          </p:cNvSpPr>
+          <p:nvPr>
+            <p:ph type="title"/>
+          </p:nvPr>
+        </p:nvSpPr>
+        <p:spPr/>
+        <p:txBody>
+          <a:bodyPr/>
+          <a:lstStyle/>
+          <a:p>
+            <a:br>
+              <a:rPr lang="es-ES" dirty="0"/>
+            </a:br>
+            <a:r>
+              <a:rPr lang="es-ES" dirty="0"/>
+              <a:t>animaciones realizadas</a:t>
+            </a:r>
+            <a:endParaRPr lang="es-MX" dirty="0"/>
+          </a:p>
+        </p:txBody>
+      </p:sp>
+      <p:sp>
+        <p:nvSpPr>
+          <p:cNvPr id="3" name="Marcador de contenido 2">
+            <a:extLst>
+              <a:ext uri="{FF2B5EF4-FFF2-40B4-BE49-F238E27FC236}">
+                <a16:creationId xmlns:a16="http://schemas.microsoft.com/office/drawing/2014/main" id="{08765432-8027-C838-A753-7BE3E3E86C8B}"/>
+              </a:ext>
+            </a:extLst>
+          </p:cNvPr>
+          <p:cNvSpPr>
+            <a:spLocks noGrp="1"/>
+          </p:cNvSpPr>
+          <p:nvPr>
+            <p:ph idx="1"/>
+          </p:nvPr>
+        </p:nvSpPr>
+        <p:spPr/>
+        <p:txBody>
+          <a:bodyPr/>
+          <a:lstStyle/>
+          <a:p>
+            <a:r>
+              <a:rPr lang="es-ES" dirty="0"/>
+              <a:t>Las animaciones en este punto son inexistentes, este punto esta muy atrasado</a:t>
+            </a:r>
+            <a:endParaRPr lang="es-MX" dirty="0"/>
+          </a:p>
+        </p:txBody>
+      </p:sp>
+    </p:spTree>
+    <p:extLst>
+      <p:ext uri="{BB962C8B-B14F-4D97-AF65-F5344CB8AC3E}">
+        <p14:creationId xmlns:p14="http://schemas.microsoft.com/office/powerpoint/2010/main" val="3529460764"/>
+      </p:ext>
+    </p:extLst>
+  </p:cSld>
+  <p:clrMapOvr>
+    <a:masterClrMapping/>
+  </p:clrMapOvr>
+</p:sld>
+</file>
+
+<file path=ppt/slides/slide14.xml><?xml version="1.0" encoding="utf-8"?>
+<p:sld xmlns:a="http://schemas.openxmlformats.org/drawingml/2006/main" xmlns:r="http://schemas.openxmlformats.org/officeDocument/2006/relationships" xmlns:p="http://schemas.openxmlformats.org/presentationml/2006/main">
+  <p:cSld>
+    <p:spTree>
+      <p:nvGrpSpPr>
+        <p:cNvPr id="1" name=""/>
+        <p:cNvGrpSpPr/>
+        <p:nvPr/>
+      </p:nvGrpSpPr>
+      <p:grpSpPr>
+        <a:xfrm>
+          <a:off x="0" y="0"/>
+          <a:ext cx="0" cy="0"/>
+          <a:chOff x="0" y="0"/>
+          <a:chExt cx="0" cy="0"/>
+        </a:xfrm>
+      </p:grpSpPr>
+      <p:sp>
+        <p:nvSpPr>
+          <p:cNvPr id="2" name="Título 1">
+            <a:extLst>
+              <a:ext uri="{FF2B5EF4-FFF2-40B4-BE49-F238E27FC236}">
+                <a16:creationId xmlns:a16="http://schemas.microsoft.com/office/drawing/2014/main" id="{8318871A-FDE9-2143-F4BC-C5C8E6A054E4}"/>
+              </a:ext>
+            </a:extLst>
+          </p:cNvPr>
+          <p:cNvSpPr>
+            <a:spLocks noGrp="1"/>
+          </p:cNvSpPr>
+          <p:nvPr>
+            <p:ph type="title"/>
+          </p:nvPr>
+        </p:nvSpPr>
+        <p:spPr/>
+        <p:txBody>
+          <a:bodyPr/>
+          <a:lstStyle/>
+          <a:p>
+            <a:br>
+              <a:rPr lang="es-ES" dirty="0"/>
+            </a:br>
+            <a:r>
+              <a:rPr lang="es-MX" dirty="0"/>
+              <a:t>Expectativas del futuro proyecto</a:t>
+            </a:r>
+          </a:p>
+        </p:txBody>
+      </p:sp>
+      <p:sp>
+        <p:nvSpPr>
+          <p:cNvPr id="3" name="Marcador de contenido 2">
+            <a:extLst>
+              <a:ext uri="{FF2B5EF4-FFF2-40B4-BE49-F238E27FC236}">
+                <a16:creationId xmlns:a16="http://schemas.microsoft.com/office/drawing/2014/main" id="{A453FFAB-6903-A7E8-1DD8-5ABD6EA959C4}"/>
+              </a:ext>
+            </a:extLst>
+          </p:cNvPr>
+          <p:cNvSpPr>
+            <a:spLocks noGrp="1"/>
+          </p:cNvSpPr>
+          <p:nvPr>
+            <p:ph idx="1"/>
+          </p:nvPr>
+        </p:nvSpPr>
+        <p:spPr/>
+        <p:txBody>
+          <a:bodyPr/>
+          <a:lstStyle/>
+          <a:p>
+            <a:r>
+              <a:rPr lang="es-ES" dirty="0"/>
+              <a:t>Retraso, y posiblemente se tenga un escenario un poco vacío, con un modelado de baja calidad, y la presentación de únicamente un integrante del equipo.</a:t>
+            </a:r>
+            <a:endParaRPr lang="es-MX" dirty="0"/>
+          </a:p>
+        </p:txBody>
+      </p:sp>
+    </p:spTree>
+    <p:extLst>
+      <p:ext uri="{BB962C8B-B14F-4D97-AF65-F5344CB8AC3E}">
+        <p14:creationId xmlns:p14="http://schemas.microsoft.com/office/powerpoint/2010/main" val="102691198"/>
+      </p:ext>
+    </p:extLst>
+  </p:cSld>
+  <p:clrMapOvr>
+    <a:masterClrMapping/>
+  </p:clrMapOvr>
+</p:sld>
+</file>
+
+<file path=ppt/slides/slide15.xml><?xml version="1.0" encoding="utf-8"?>
+<p:sld xmlns:a="http://schemas.openxmlformats.org/drawingml/2006/main" xmlns:r="http://schemas.openxmlformats.org/officeDocument/2006/relationships" xmlns:p="http://schemas.openxmlformats.org/presentationml/2006/main">
+  <p:cSld>
+    <p:spTree>
+      <p:nvGrpSpPr>
+        <p:cNvPr id="1" name=""/>
+        <p:cNvGrpSpPr/>
+        <p:nvPr/>
+      </p:nvGrpSpPr>
+      <p:grpSpPr>
+        <a:xfrm>
+          <a:off x="0" y="0"/>
+          <a:ext cx="0" cy="0"/>
+          <a:chOff x="0" y="0"/>
+          <a:chExt cx="0" cy="0"/>
+        </a:xfrm>
+      </p:grpSpPr>
+      <p:sp>
+        <p:nvSpPr>
+          <p:cNvPr id="2" name="Título 1">
+            <a:extLst>
+              <a:ext uri="{FF2B5EF4-FFF2-40B4-BE49-F238E27FC236}">
+                <a16:creationId xmlns:a16="http://schemas.microsoft.com/office/drawing/2014/main" id="{4ACB0015-7009-74E9-5100-4B18BFD4FF78}"/>
+              </a:ext>
+            </a:extLst>
+          </p:cNvPr>
+          <p:cNvSpPr>
+            <a:spLocks noGrp="1"/>
+          </p:cNvSpPr>
+          <p:nvPr>
+            <p:ph type="title"/>
+          </p:nvPr>
+        </p:nvSpPr>
+        <p:spPr/>
+        <p:txBody>
+          <a:bodyPr/>
+          <a:lstStyle/>
+          <a:p>
+            <a:r>
+              <a:rPr lang="es-ES" dirty="0"/>
+              <a:t>Materiales de referencia</a:t>
+            </a:r>
+            <a:endParaRPr lang="es-MX" dirty="0"/>
+          </a:p>
+        </p:txBody>
+      </p:sp>
+      <p:sp>
+        <p:nvSpPr>
+          <p:cNvPr id="3" name="Marcador de contenido 2">
+            <a:extLst>
+              <a:ext uri="{FF2B5EF4-FFF2-40B4-BE49-F238E27FC236}">
+                <a16:creationId xmlns:a16="http://schemas.microsoft.com/office/drawing/2014/main" id="{05787489-A60D-41B1-C292-C2F1F51C9A3C}"/>
+              </a:ext>
+            </a:extLst>
+          </p:cNvPr>
+          <p:cNvSpPr>
+            <a:spLocks noGrp="1"/>
+          </p:cNvSpPr>
+          <p:nvPr>
+            <p:ph idx="1"/>
+          </p:nvPr>
+        </p:nvSpPr>
+        <p:spPr>
+          <a:xfrm>
+            <a:off x="568569" y="1690688"/>
+            <a:ext cx="10515600" cy="4351338"/>
+          </a:xfrm>
+        </p:spPr>
+        <p:txBody>
+          <a:bodyPr/>
+          <a:lstStyle/>
+          <a:p>
+            <a:pPr algn="ctr"/>
+            <a:r>
+              <a:rPr lang="es-ES" dirty="0"/>
+              <a:t>Materiales utilizados para aprender a modelar y realizar los modelos hechos</a:t>
+            </a:r>
+          </a:p>
+          <a:p>
+            <a:pPr algn="ctr"/>
+            <a:r>
+              <a:rPr lang="es-ES" dirty="0"/>
+              <a:t>Tutorial de una mariposa: https://www.youtube.com/watch?v=4tNkmHrAtSY</a:t>
+            </a:r>
+            <a:endParaRPr lang="es-MX" dirty="0"/>
+          </a:p>
+        </p:txBody>
+      </p:sp>
+    </p:spTree>
+    <p:extLst>
+      <p:ext uri="{BB962C8B-B14F-4D97-AF65-F5344CB8AC3E}">
+        <p14:creationId xmlns:p14="http://schemas.microsoft.com/office/powerpoint/2010/main" val="3583469908"/>
+      </p:ext>
+    </p:extLst>
+  </p:cSld>
+  <p:clrMapOvr>
+    <a:masterClrMapping/>
+  </p:clrMapOvr>
+</p:sld>
+</file>
+
 <file path=ppt/slides/slide2.xml><?xml version="1.0" encoding="utf-8"?>
+<p:sld xmlns:a="http://schemas.openxmlformats.org/drawingml/2006/main" xmlns:r="http://schemas.openxmlformats.org/officeDocument/2006/relationships" xmlns:p="http://schemas.openxmlformats.org/presentationml/2006/main">
+  <p:cSld>
+    <p:spTree>
+      <p:nvGrpSpPr>
+        <p:cNvPr id="1" name=""/>
+        <p:cNvGrpSpPr/>
+        <p:nvPr/>
+      </p:nvGrpSpPr>
+      <p:grpSpPr>
+        <a:xfrm>
+          <a:off x="0" y="0"/>
+          <a:ext cx="0" cy="0"/>
+          <a:chOff x="0" y="0"/>
+          <a:chExt cx="0" cy="0"/>
+        </a:xfrm>
+      </p:grpSpPr>
+      <p:sp>
+        <p:nvSpPr>
+          <p:cNvPr id="2" name="Título 1">
+            <a:extLst>
+              <a:ext uri="{FF2B5EF4-FFF2-40B4-BE49-F238E27FC236}">
+                <a16:creationId xmlns:a16="http://schemas.microsoft.com/office/drawing/2014/main" id="{F5469CA0-B439-75FF-48F9-72AC133191EA}"/>
+              </a:ext>
+            </a:extLst>
+          </p:cNvPr>
+          <p:cNvSpPr>
+            <a:spLocks noGrp="1"/>
+          </p:cNvSpPr>
+          <p:nvPr>
+            <p:ph type="title"/>
+          </p:nvPr>
+        </p:nvSpPr>
+        <p:spPr/>
+        <p:txBody>
+          <a:bodyPr/>
+          <a:lstStyle/>
+          <a:p>
+            <a:r>
+              <a:rPr lang="es-ES" dirty="0"/>
+              <a:t>Equipo participando</a:t>
+            </a:r>
+            <a:endParaRPr lang="es-MX" dirty="0"/>
+          </a:p>
+        </p:txBody>
+      </p:sp>
+      <p:pic>
+        <p:nvPicPr>
+          <p:cNvPr id="5" name="Marcador de contenido 4">
+            <a:extLst>
+              <a:ext uri="{FF2B5EF4-FFF2-40B4-BE49-F238E27FC236}">
+                <a16:creationId xmlns:a16="http://schemas.microsoft.com/office/drawing/2014/main" id="{85E582C4-5980-A7AA-A972-736CCB723D16}"/>
+              </a:ext>
+            </a:extLst>
+          </p:cNvPr>
+          <p:cNvPicPr>
+            <a:picLocks noGrp="1" noChangeAspect="1"/>
+          </p:cNvPicPr>
+          <p:nvPr>
+            <p:ph idx="1"/>
+          </p:nvPr>
+        </p:nvPicPr>
+        <p:blipFill>
+          <a:blip r:embed="rId2"/>
+          <a:stretch>
+            <a:fillRect/>
+          </a:stretch>
+        </p:blipFill>
+        <p:spPr>
+          <a:xfrm>
+            <a:off x="231452" y="1690688"/>
+            <a:ext cx="7184110" cy="3820171"/>
+          </a:xfrm>
+        </p:spPr>
+      </p:pic>
+      <p:sp>
+        <p:nvSpPr>
+          <p:cNvPr id="7" name="CuadroTexto 6">
+            <a:extLst>
+              <a:ext uri="{FF2B5EF4-FFF2-40B4-BE49-F238E27FC236}">
+                <a16:creationId xmlns:a16="http://schemas.microsoft.com/office/drawing/2014/main" id="{B333A652-F762-1777-0AB6-E73176B0B49C}"/>
+              </a:ext>
+            </a:extLst>
+          </p:cNvPr>
+          <p:cNvSpPr txBox="1"/>
+          <p:nvPr/>
+        </p:nvSpPr>
+        <p:spPr>
+          <a:xfrm>
+            <a:off x="7946136" y="1947672"/>
+            <a:ext cx="3584448" cy="3416320"/>
+          </a:xfrm>
+          <a:prstGeom prst="rect">
+            <a:avLst/>
+          </a:prstGeom>
+          <a:noFill/>
+        </p:spPr>
+        <p:txBody>
+          <a:bodyPr wrap="square" rtlCol="0">
+            <a:spAutoFit/>
+          </a:bodyPr>
+          <a:lstStyle/>
+          <a:p>
+            <a:r>
+              <a:rPr lang="es-ES" dirty="0"/>
+              <a:t>La comunicación es prácticamente inexistente,  Ningún participante ha dicho si están o algo acerca del reporte de que se entrega hoy.</a:t>
+            </a:r>
+          </a:p>
+          <a:p>
+            <a:endParaRPr lang="es-ES" dirty="0"/>
+          </a:p>
+          <a:p>
+            <a:r>
+              <a:rPr lang="es-ES" dirty="0"/>
+              <a:t>No hay algún </a:t>
+            </a:r>
+            <a:r>
+              <a:rPr lang="es-ES" dirty="0" err="1"/>
+              <a:t>commit</a:t>
+            </a:r>
+            <a:r>
+              <a:rPr lang="es-ES" dirty="0"/>
+              <a:t> hecho por alguien más, y hoy se comunicó con los integrantes para que participarán en el avance, pero nadie respondía en el grupo de </a:t>
+            </a:r>
+            <a:r>
+              <a:rPr lang="es-ES" dirty="0" err="1"/>
+              <a:t>whatsapp</a:t>
+            </a:r>
+            <a:r>
+              <a:rPr lang="es-ES" dirty="0"/>
+              <a:t> del equipo.</a:t>
+            </a:r>
+          </a:p>
+          <a:p>
+            <a:endParaRPr lang="es-MX" dirty="0"/>
+          </a:p>
+        </p:txBody>
+      </p:sp>
+    </p:spTree>
+    <p:extLst>
+      <p:ext uri="{BB962C8B-B14F-4D97-AF65-F5344CB8AC3E}">
+        <p14:creationId xmlns:p14="http://schemas.microsoft.com/office/powerpoint/2010/main" val="4190497519"/>
+      </p:ext>
+    </p:extLst>
+  </p:cSld>
+  <p:clrMapOvr>
+    <a:masterClrMapping/>
+  </p:clrMapOvr>
+</p:sld>
+</file>
+
+<file path=ppt/slides/slide3.xml><?xml version="1.0" encoding="utf-8"?>
+<p:sld xmlns:a="http://schemas.openxmlformats.org/drawingml/2006/main" xmlns:r="http://schemas.openxmlformats.org/officeDocument/2006/relationships" xmlns:p="http://schemas.openxmlformats.org/presentationml/2006/main">
+  <p:cSld>
+    <p:spTree>
+      <p:nvGrpSpPr>
+        <p:cNvPr id="1" name=""/>
+        <p:cNvGrpSpPr/>
+        <p:nvPr/>
+      </p:nvGrpSpPr>
+      <p:grpSpPr>
+        <a:xfrm>
+          <a:off x="0" y="0"/>
+          <a:ext cx="0" cy="0"/>
+          <a:chOff x="0" y="0"/>
+          <a:chExt cx="0" cy="0"/>
+        </a:xfrm>
+      </p:grpSpPr>
+      <p:sp>
+        <p:nvSpPr>
+          <p:cNvPr id="2" name="Título 1">
+            <a:extLst>
+              <a:ext uri="{FF2B5EF4-FFF2-40B4-BE49-F238E27FC236}">
+                <a16:creationId xmlns:a16="http://schemas.microsoft.com/office/drawing/2014/main" id="{CD58756B-6EE6-6D72-7626-B5CB17F6B9C1}"/>
+              </a:ext>
+            </a:extLst>
+          </p:cNvPr>
+          <p:cNvSpPr>
+            <a:spLocks noGrp="1"/>
+          </p:cNvSpPr>
+          <p:nvPr>
+            <p:ph type="title"/>
+          </p:nvPr>
+        </p:nvSpPr>
+        <p:spPr/>
+        <p:txBody>
+          <a:bodyPr/>
+          <a:lstStyle/>
+          <a:p>
+            <a:r>
+              <a:rPr lang="es-ES" dirty="0"/>
+              <a:t>Commits realizados</a:t>
+            </a:r>
+            <a:endParaRPr lang="es-MX" dirty="0"/>
+          </a:p>
+        </p:txBody>
+      </p:sp>
+      <p:pic>
+        <p:nvPicPr>
+          <p:cNvPr id="5" name="Marcador de contenido 4">
+            <a:extLst>
+              <a:ext uri="{FF2B5EF4-FFF2-40B4-BE49-F238E27FC236}">
+                <a16:creationId xmlns:a16="http://schemas.microsoft.com/office/drawing/2014/main" id="{7136EBFD-A018-7946-FE48-B4109E7C8B0D}"/>
+              </a:ext>
+            </a:extLst>
+          </p:cNvPr>
+          <p:cNvPicPr>
+            <a:picLocks noGrp="1" noChangeAspect="1"/>
+          </p:cNvPicPr>
+          <p:nvPr>
+            <p:ph idx="1"/>
+          </p:nvPr>
+        </p:nvPicPr>
+        <p:blipFill>
+          <a:blip r:embed="rId2"/>
+          <a:stretch>
+            <a:fillRect/>
+          </a:stretch>
+        </p:blipFill>
+        <p:spPr>
+          <a:xfrm>
+            <a:off x="527715" y="1911253"/>
+            <a:ext cx="6908919" cy="4351338"/>
+          </a:xfrm>
+        </p:spPr>
+      </p:pic>
+      <p:sp>
+        <p:nvSpPr>
+          <p:cNvPr id="6" name="CuadroTexto 5">
+            <a:extLst>
+              <a:ext uri="{FF2B5EF4-FFF2-40B4-BE49-F238E27FC236}">
+                <a16:creationId xmlns:a16="http://schemas.microsoft.com/office/drawing/2014/main" id="{E46145B5-7258-6126-9C70-5924A9FF773C}"/>
+              </a:ext>
+            </a:extLst>
+          </p:cNvPr>
+          <p:cNvSpPr txBox="1"/>
+          <p:nvPr/>
+        </p:nvSpPr>
+        <p:spPr>
+          <a:xfrm>
+            <a:off x="8006576" y="1911253"/>
+            <a:ext cx="3858322" cy="1477328"/>
+          </a:xfrm>
+          <a:prstGeom prst="rect">
+            <a:avLst/>
+          </a:prstGeom>
+          <a:noFill/>
+        </p:spPr>
+        <p:txBody>
+          <a:bodyPr wrap="square" rtlCol="0">
+            <a:spAutoFit/>
+          </a:bodyPr>
+          <a:lstStyle/>
+          <a:p>
+            <a:r>
+              <a:rPr lang="es-ES" dirty="0"/>
+              <a:t>Todos los commits realizados son por parte de mi persona, aunque todos  integrantes del equipo están dentro, no veo avance de alguien más y por ello, la idea de que estoy solo en el proyecto </a:t>
+            </a:r>
+            <a:endParaRPr lang="es-MX" dirty="0"/>
+          </a:p>
+        </p:txBody>
+      </p:sp>
+    </p:spTree>
+    <p:extLst>
+      <p:ext uri="{BB962C8B-B14F-4D97-AF65-F5344CB8AC3E}">
+        <p14:creationId xmlns:p14="http://schemas.microsoft.com/office/powerpoint/2010/main" val="2839808641"/>
+      </p:ext>
+    </p:extLst>
+  </p:cSld>
+  <p:clrMapOvr>
+    <a:masterClrMapping/>
+  </p:clrMapOvr>
+</p:sld>
+</file>
+
+<file path=ppt/slides/slide4.xml><?xml version="1.0" encoding="utf-8"?>
+<p:sld xmlns:a="http://schemas.openxmlformats.org/drawingml/2006/main" xmlns:r="http://schemas.openxmlformats.org/officeDocument/2006/relationships" xmlns:p="http://schemas.openxmlformats.org/presentationml/2006/main">
+  <p:cSld>
+    <p:spTree>
+      <p:nvGrpSpPr>
+        <p:cNvPr id="1" name=""/>
+        <p:cNvGrpSpPr/>
+        <p:nvPr/>
+      </p:nvGrpSpPr>
+      <p:grpSpPr>
+        <a:xfrm>
+          <a:off x="0" y="0"/>
+          <a:ext cx="0" cy="0"/>
+          <a:chOff x="0" y="0"/>
+          <a:chExt cx="0" cy="0"/>
+        </a:xfrm>
+      </p:grpSpPr>
+      <p:sp>
+        <p:nvSpPr>
+          <p:cNvPr id="2" name="Título 1">
+            <a:extLst>
+              <a:ext uri="{FF2B5EF4-FFF2-40B4-BE49-F238E27FC236}">
+                <a16:creationId xmlns:a16="http://schemas.microsoft.com/office/drawing/2014/main" id="{C4D40049-0880-CE40-9CB4-6D1E8DD40F1B}"/>
+              </a:ext>
+            </a:extLst>
+          </p:cNvPr>
+          <p:cNvSpPr>
+            <a:spLocks noGrp="1"/>
+          </p:cNvSpPr>
+          <p:nvPr>
+            <p:ph type="title"/>
+          </p:nvPr>
+        </p:nvSpPr>
+        <p:spPr/>
+        <p:txBody>
+          <a:bodyPr/>
+          <a:lstStyle/>
+          <a:p>
+            <a:r>
+              <a:rPr lang="es-ES" dirty="0"/>
+              <a:t>Avance actual, calendarización</a:t>
+            </a:r>
+            <a:endParaRPr lang="es-MX" dirty="0"/>
+          </a:p>
+        </p:txBody>
+      </p:sp>
+      <p:pic>
+        <p:nvPicPr>
+          <p:cNvPr id="5" name="Marcador de contenido 4">
+            <a:extLst>
+              <a:ext uri="{FF2B5EF4-FFF2-40B4-BE49-F238E27FC236}">
+                <a16:creationId xmlns:a16="http://schemas.microsoft.com/office/drawing/2014/main" id="{8E13E313-6C98-AE71-F8B9-ABBD6148D2A0}"/>
+              </a:ext>
+            </a:extLst>
+          </p:cNvPr>
+          <p:cNvPicPr>
+            <a:picLocks noGrp="1" noChangeAspect="1"/>
+          </p:cNvPicPr>
+          <p:nvPr>
+            <p:ph idx="1"/>
+          </p:nvPr>
+        </p:nvPicPr>
+        <p:blipFill>
+          <a:blip r:embed="rId2"/>
+          <a:stretch>
+            <a:fillRect/>
+          </a:stretch>
+        </p:blipFill>
+        <p:spPr>
+          <a:xfrm>
+            <a:off x="302496" y="2170904"/>
+            <a:ext cx="7586024" cy="3131210"/>
+          </a:xfrm>
+        </p:spPr>
+      </p:pic>
+      <p:sp>
+        <p:nvSpPr>
+          <p:cNvPr id="6" name="Rectángulo 5">
+            <a:extLst>
+              <a:ext uri="{FF2B5EF4-FFF2-40B4-BE49-F238E27FC236}">
+                <a16:creationId xmlns:a16="http://schemas.microsoft.com/office/drawing/2014/main" id="{2FD9C320-8016-3DEA-E1F1-6BD22A969728}"/>
+              </a:ext>
+            </a:extLst>
+          </p:cNvPr>
+          <p:cNvSpPr/>
+          <p:nvPr/>
+        </p:nvSpPr>
+        <p:spPr>
+          <a:xfrm>
+            <a:off x="8449056" y="1425512"/>
+            <a:ext cx="3246120" cy="3695128"/>
+          </a:xfrm>
+          <a:prstGeom prst="rect">
+            <a:avLst/>
+          </a:prstGeom>
+        </p:spPr>
+        <p:style>
+          <a:lnRef idx="2">
+            <a:schemeClr val="accent1">
+              <a:shade val="15000"/>
+            </a:schemeClr>
+          </a:lnRef>
+          <a:fillRef idx="1">
+            <a:schemeClr val="accent1"/>
+          </a:fillRef>
+          <a:effectRef idx="0">
+            <a:schemeClr val="accent1"/>
+          </a:effectRef>
+          <a:fontRef idx="minor">
+            <a:schemeClr val="lt1"/>
+          </a:fontRef>
+        </p:style>
+        <p:txBody>
+          <a:bodyPr rtlCol="0" anchor="ctr"/>
+          <a:lstStyle/>
+          <a:p>
+            <a:pPr algn="ctr"/>
+            <a:r>
+              <a:rPr lang="es-ES" dirty="0"/>
+              <a:t>La flecha roja es el punto actual , son correcciones y cambios de ambientación, sin embargo, la fase que esta, está más atrasa de lo planeado, se están haciendo correcciones de la ambientación, que es el primer punto de la fase 3.</a:t>
+            </a:r>
+            <a:endParaRPr lang="es-MX" dirty="0"/>
+          </a:p>
+        </p:txBody>
+      </p:sp>
+    </p:spTree>
+    <p:extLst>
+      <p:ext uri="{BB962C8B-B14F-4D97-AF65-F5344CB8AC3E}">
+        <p14:creationId xmlns:p14="http://schemas.microsoft.com/office/powerpoint/2010/main" val="1379741096"/>
+      </p:ext>
+    </p:extLst>
+  </p:cSld>
+  <p:clrMapOvr>
+    <a:masterClrMapping/>
+  </p:clrMapOvr>
+</p:sld>
+</file>
+
+<file path=ppt/slides/slide5.xml><?xml version="1.0" encoding="utf-8"?>
+<p:sld xmlns:a="http://schemas.openxmlformats.org/drawingml/2006/main" xmlns:r="http://schemas.openxmlformats.org/officeDocument/2006/relationships" xmlns:p="http://schemas.openxmlformats.org/presentationml/2006/main">
+  <p:cSld>
+    <p:spTree>
+      <p:nvGrpSpPr>
+        <p:cNvPr id="1" name=""/>
+        <p:cNvGrpSpPr/>
+        <p:nvPr/>
+      </p:nvGrpSpPr>
+      <p:grpSpPr>
+        <a:xfrm>
+          <a:off x="0" y="0"/>
+          <a:ext cx="0" cy="0"/>
+          <a:chOff x="0" y="0"/>
+          <a:chExt cx="0" cy="0"/>
+        </a:xfrm>
+      </p:grpSpPr>
+      <p:sp>
+        <p:nvSpPr>
+          <p:cNvPr id="2" name="Título 1">
+            <a:extLst>
+              <a:ext uri="{FF2B5EF4-FFF2-40B4-BE49-F238E27FC236}">
+                <a16:creationId xmlns:a16="http://schemas.microsoft.com/office/drawing/2014/main" id="{4913928A-FC9C-851F-CE59-FC3C35E1712E}"/>
+              </a:ext>
+            </a:extLst>
+          </p:cNvPr>
+          <p:cNvSpPr>
+            <a:spLocks noGrp="1"/>
+          </p:cNvSpPr>
+          <p:nvPr>
+            <p:ph type="ctrTitle"/>
+          </p:nvPr>
+        </p:nvSpPr>
+        <p:spPr/>
+        <p:txBody>
+          <a:bodyPr/>
+          <a:lstStyle/>
+          <a:p>
+            <a:r>
+              <a:rPr lang="es-ES" dirty="0"/>
+              <a:t>Avance de modelos</a:t>
+            </a:r>
+            <a:endParaRPr lang="es-MX" dirty="0"/>
+          </a:p>
+        </p:txBody>
+      </p:sp>
+      <p:sp>
+        <p:nvSpPr>
+          <p:cNvPr id="3" name="Subtítulo 2">
+            <a:extLst>
+              <a:ext uri="{FF2B5EF4-FFF2-40B4-BE49-F238E27FC236}">
+                <a16:creationId xmlns:a16="http://schemas.microsoft.com/office/drawing/2014/main" id="{48D75106-AE8C-78E3-BBCA-E7902EC22D52}"/>
+              </a:ext>
+            </a:extLst>
+          </p:cNvPr>
+          <p:cNvSpPr>
+            <a:spLocks noGrp="1"/>
+          </p:cNvSpPr>
+          <p:nvPr>
+            <p:ph type="subTitle" idx="1"/>
+          </p:nvPr>
+        </p:nvSpPr>
+        <p:spPr/>
+        <p:txBody>
+          <a:bodyPr/>
+          <a:lstStyle/>
+          <a:p>
+            <a:r>
+              <a:rPr lang="es-ES" dirty="0"/>
+              <a:t>La creación de modelos para decorar externamente el pabellon, es básicamente inexistente, va con retraso.</a:t>
+            </a:r>
+            <a:endParaRPr lang="es-MX" dirty="0"/>
+          </a:p>
+        </p:txBody>
+      </p:sp>
+    </p:spTree>
+    <p:extLst>
+      <p:ext uri="{BB962C8B-B14F-4D97-AF65-F5344CB8AC3E}">
+        <p14:creationId xmlns:p14="http://schemas.microsoft.com/office/powerpoint/2010/main" val="4152350350"/>
+      </p:ext>
+    </p:extLst>
+  </p:cSld>
+  <p:clrMapOvr>
+    <a:masterClrMapping/>
+  </p:clrMapOvr>
+</p:sld>
+</file>
+
+<file path=ppt/slides/slide6.xml><?xml version="1.0" encoding="utf-8"?>
+<p:sld xmlns:a="http://schemas.openxmlformats.org/drawingml/2006/main" xmlns:r="http://schemas.openxmlformats.org/officeDocument/2006/relationships" xmlns:p="http://schemas.openxmlformats.org/presentationml/2006/main">
+  <p:cSld>
+    <p:spTree>
+      <p:nvGrpSpPr>
+        <p:cNvPr id="1" name=""/>
+        <p:cNvGrpSpPr/>
+        <p:nvPr/>
+      </p:nvGrpSpPr>
+      <p:grpSpPr>
+        <a:xfrm>
+          <a:off x="0" y="0"/>
+          <a:ext cx="0" cy="0"/>
+          <a:chOff x="0" y="0"/>
+          <a:chExt cx="0" cy="0"/>
+        </a:xfrm>
+      </p:grpSpPr>
+      <p:sp>
+        <p:nvSpPr>
+          <p:cNvPr id="2" name="Título 1">
+            <a:extLst>
+              <a:ext uri="{FF2B5EF4-FFF2-40B4-BE49-F238E27FC236}">
+                <a16:creationId xmlns:a16="http://schemas.microsoft.com/office/drawing/2014/main" id="{3BA4AC77-7945-C34B-E0C7-05AA194CEB23}"/>
+              </a:ext>
+            </a:extLst>
+          </p:cNvPr>
+          <p:cNvSpPr>
+            <a:spLocks noGrp="1"/>
+          </p:cNvSpPr>
+          <p:nvPr>
+            <p:ph type="title"/>
+          </p:nvPr>
+        </p:nvSpPr>
+        <p:spPr/>
+        <p:txBody>
+          <a:bodyPr/>
+          <a:lstStyle/>
+          <a:p>
+            <a:r>
+              <a:rPr lang="es-ES" dirty="0"/>
+              <a:t>Modelos realizados:</a:t>
+            </a:r>
+            <a:endParaRPr lang="es-MX" dirty="0"/>
+          </a:p>
+        </p:txBody>
+      </p:sp>
+      <p:sp>
+        <p:nvSpPr>
+          <p:cNvPr id="3" name="Marcador de contenido 2">
+            <a:extLst>
+              <a:ext uri="{FF2B5EF4-FFF2-40B4-BE49-F238E27FC236}">
+                <a16:creationId xmlns:a16="http://schemas.microsoft.com/office/drawing/2014/main" id="{D8381CEC-F25E-499D-5D73-3237BC47A24A}"/>
+              </a:ext>
+            </a:extLst>
+          </p:cNvPr>
+          <p:cNvSpPr>
+            <a:spLocks noGrp="1"/>
+          </p:cNvSpPr>
+          <p:nvPr>
+            <p:ph idx="1"/>
+          </p:nvPr>
+        </p:nvSpPr>
+        <p:spPr/>
+        <p:txBody>
+          <a:bodyPr/>
+          <a:lstStyle/>
+          <a:p>
+            <a:r>
+              <a:rPr lang="es-ES" dirty="0"/>
+              <a:t>Mariposa (falta texturizar)</a:t>
+            </a:r>
+          </a:p>
+          <a:p>
+            <a:r>
+              <a:rPr lang="es-ES" dirty="0"/>
+              <a:t>Mesa (falta texturizar)</a:t>
+            </a:r>
+          </a:p>
+          <a:p>
+            <a:r>
+              <a:rPr lang="es-ES" dirty="0"/>
+              <a:t>Museo (falta detallar y texturizar)</a:t>
+            </a:r>
+          </a:p>
+          <a:p>
+            <a:endParaRPr lang="es-MX" dirty="0"/>
+          </a:p>
+        </p:txBody>
+      </p:sp>
+    </p:spTree>
+    <p:extLst>
+      <p:ext uri="{BB962C8B-B14F-4D97-AF65-F5344CB8AC3E}">
+        <p14:creationId xmlns:p14="http://schemas.microsoft.com/office/powerpoint/2010/main" val="4211929476"/>
+      </p:ext>
+    </p:extLst>
+  </p:cSld>
+  <p:clrMapOvr>
+    <a:masterClrMapping/>
+  </p:clrMapOvr>
+</p:sld>
+</file>
+
+<file path=ppt/slides/slide7.xml><?xml version="1.0" encoding="utf-8"?>
+<p:sld xmlns:a="http://schemas.openxmlformats.org/drawingml/2006/main" xmlns:r="http://schemas.openxmlformats.org/officeDocument/2006/relationships" xmlns:p="http://schemas.openxmlformats.org/presentationml/2006/main">
+  <p:cSld>
+    <p:spTree>
+      <p:nvGrpSpPr>
+        <p:cNvPr id="1" name=""/>
+        <p:cNvGrpSpPr/>
+        <p:nvPr/>
+      </p:nvGrpSpPr>
+      <p:grpSpPr>
+        <a:xfrm>
+          <a:off x="0" y="0"/>
+          <a:ext cx="0" cy="0"/>
+          <a:chOff x="0" y="0"/>
+          <a:chExt cx="0" cy="0"/>
+        </a:xfrm>
+      </p:grpSpPr>
+      <p:sp>
+        <p:nvSpPr>
+          <p:cNvPr id="2" name="Título 1">
+            <a:extLst>
+              <a:ext uri="{FF2B5EF4-FFF2-40B4-BE49-F238E27FC236}">
+                <a16:creationId xmlns:a16="http://schemas.microsoft.com/office/drawing/2014/main" id="{82EBE9FE-ECD9-3E2D-CC66-F784ACBE2A8B}"/>
+              </a:ext>
+            </a:extLst>
+          </p:cNvPr>
+          <p:cNvSpPr>
+            <a:spLocks noGrp="1"/>
+          </p:cNvSpPr>
+          <p:nvPr>
+            <p:ph type="title"/>
+          </p:nvPr>
+        </p:nvSpPr>
+        <p:spPr/>
+        <p:txBody>
+          <a:bodyPr/>
+          <a:lstStyle/>
+          <a:p>
+            <a:r>
+              <a:rPr lang="es-ES" dirty="0"/>
+              <a:t>El resultado</a:t>
+            </a:r>
+            <a:endParaRPr lang="es-MX" dirty="0"/>
+          </a:p>
+        </p:txBody>
+      </p:sp>
+      <p:pic>
+        <p:nvPicPr>
+          <p:cNvPr id="5" name="Marcador de contenido 4">
+            <a:extLst>
+              <a:ext uri="{FF2B5EF4-FFF2-40B4-BE49-F238E27FC236}">
+                <a16:creationId xmlns:a16="http://schemas.microsoft.com/office/drawing/2014/main" id="{9A237A3C-011E-4BA0-3588-0D1B45B6CA07}"/>
+              </a:ext>
+            </a:extLst>
+          </p:cNvPr>
+          <p:cNvPicPr>
+            <a:picLocks noGrp="1" noChangeAspect="1"/>
+          </p:cNvPicPr>
+          <p:nvPr>
+            <p:ph idx="1"/>
+          </p:nvPr>
+        </p:nvPicPr>
+        <p:blipFill>
+          <a:blip r:embed="rId2"/>
+          <a:stretch>
+            <a:fillRect/>
+          </a:stretch>
+        </p:blipFill>
+        <p:spPr>
+          <a:xfrm>
+            <a:off x="2980227" y="1825625"/>
+            <a:ext cx="6231545" cy="4351338"/>
+          </a:xfrm>
+        </p:spPr>
+      </p:pic>
+    </p:spTree>
+    <p:extLst>
+      <p:ext uri="{BB962C8B-B14F-4D97-AF65-F5344CB8AC3E}">
+        <p14:creationId xmlns:p14="http://schemas.microsoft.com/office/powerpoint/2010/main" val="3105748280"/>
+      </p:ext>
+    </p:extLst>
+  </p:cSld>
+  <p:clrMapOvr>
+    <a:masterClrMapping/>
+  </p:clrMapOvr>
+</p:sld>
+</file>
+
+<file path=ppt/slides/slide8.xml><?xml version="1.0" encoding="utf-8"?>
 <p:sld xmlns:a="http://schemas.openxmlformats.org/drawingml/2006/main" xmlns:r="http://schemas.openxmlformats.org/officeDocument/2006/relationships" xmlns:p="http://schemas.openxmlformats.org/presentationml/2006/main">
   <p:cSld>
     <p:spTree>
@@ -3517,7 +5815,7 @@
 </p:sld>
 </file>
 
-<file path=ppt/slides/slide3.xml><?xml version="1.0" encoding="utf-8"?>
+<file path=ppt/slides/slide9.xml><?xml version="1.0" encoding="utf-8"?>
 <p:sld xmlns:a="http://schemas.openxmlformats.org/drawingml/2006/main" xmlns:r="http://schemas.openxmlformats.org/officeDocument/2006/relationships" xmlns:p="http://schemas.openxmlformats.org/presentationml/2006/main">
   <p:cSld>
     <p:spTree>
@@ -3539,7 +5837,7 @@
           <p:cNvPr id="2" name="Título 1">
             <a:extLst>
               <a:ext uri="{FF2B5EF4-FFF2-40B4-BE49-F238E27FC236}">
-                <a16:creationId xmlns:a16="http://schemas.microsoft.com/office/drawing/2014/main" id="{82EBE9FE-ECD9-3E2D-CC66-F784ACBE2A8B}"/>
+                <a16:creationId xmlns:a16="http://schemas.microsoft.com/office/drawing/2014/main" id="{CC67BAFF-FAEE-3DC9-4544-31DBFB8FDCF5}"/>
               </a:ext>
             </a:extLst>
           </p:cNvPr>
@@ -3555,9 +5853,10 @@
           <a:bodyPr/>
           <a:lstStyle/>
           <a:p>
+            <a:pPr algn="ctr"/>
             <a:r>
               <a:rPr lang="es-ES" dirty="0"/>
-              <a:t>El resultado</a:t>
+              <a:t>Mesa</a:t>
             </a:r>
             <a:endParaRPr lang="es-MX" dirty="0"/>
           </a:p>
@@ -3568,7 +5867,7 @@
           <p:cNvPr id="5" name="Marcador de contenido 4">
             <a:extLst>
               <a:ext uri="{FF2B5EF4-FFF2-40B4-BE49-F238E27FC236}">
-                <a16:creationId xmlns:a16="http://schemas.microsoft.com/office/drawing/2014/main" id="{9A237A3C-011E-4BA0-3588-0D1B45B6CA07}"/>
+                <a16:creationId xmlns:a16="http://schemas.microsoft.com/office/drawing/2014/main" id="{2F9EB31C-74D6-D38C-A155-37431BBCCFB6}"/>
               </a:ext>
             </a:extLst>
           </p:cNvPr>
@@ -3587,103 +5886,15 @@
         </p:blipFill>
         <p:spPr>
           <a:xfrm>
-            <a:off x="2980227" y="1825625"/>
-            <a:ext cx="6231545" cy="4351338"/>
+            <a:off x="2647429" y="1825625"/>
+            <a:ext cx="6897141" cy="4351338"/>
           </a:xfrm>
         </p:spPr>
       </p:pic>
     </p:spTree>
     <p:extLst>
       <p:ext uri="{BB962C8B-B14F-4D97-AF65-F5344CB8AC3E}">
-        <p14:creationId xmlns:p14="http://schemas.microsoft.com/office/powerpoint/2010/main" val="3105748280"/>
-      </p:ext>
-    </p:extLst>
-  </p:cSld>
-  <p:clrMapOvr>
-    <a:masterClrMapping/>
-  </p:clrMapOvr>
-</p:sld>
-</file>
-
-<file path=ppt/slides/slide4.xml><?xml version="1.0" encoding="utf-8"?>
-<p:sld xmlns:a="http://schemas.openxmlformats.org/drawingml/2006/main" xmlns:r="http://schemas.openxmlformats.org/officeDocument/2006/relationships" xmlns:p="http://schemas.openxmlformats.org/presentationml/2006/main">
-  <p:cSld>
-    <p:spTree>
-      <p:nvGrpSpPr>
-        <p:cNvPr id="1" name=""/>
-        <p:cNvGrpSpPr/>
-        <p:nvPr/>
-      </p:nvGrpSpPr>
-      <p:grpSpPr>
-        <a:xfrm>
-          <a:off x="0" y="0"/>
-          <a:ext cx="0" cy="0"/>
-          <a:chOff x="0" y="0"/>
-          <a:chExt cx="0" cy="0"/>
-        </a:xfrm>
-      </p:grpSpPr>
-      <p:sp>
-        <p:nvSpPr>
-          <p:cNvPr id="2" name="Título 1">
-            <a:extLst>
-              <a:ext uri="{FF2B5EF4-FFF2-40B4-BE49-F238E27FC236}">
-                <a16:creationId xmlns:a16="http://schemas.microsoft.com/office/drawing/2014/main" id="{4ACB0015-7009-74E9-5100-4B18BFD4FF78}"/>
-              </a:ext>
-            </a:extLst>
-          </p:cNvPr>
-          <p:cNvSpPr>
-            <a:spLocks noGrp="1"/>
-          </p:cNvSpPr>
-          <p:nvPr>
-            <p:ph type="title"/>
-          </p:nvPr>
-        </p:nvSpPr>
-        <p:spPr/>
-        <p:txBody>
-          <a:bodyPr/>
-          <a:lstStyle/>
-          <a:p>
-            <a:r>
-              <a:rPr lang="es-ES" dirty="0"/>
-              <a:t>Materiales de referencia</a:t>
-            </a:r>
-            <a:endParaRPr lang="es-MX" dirty="0"/>
-          </a:p>
-        </p:txBody>
-      </p:sp>
-      <p:sp>
-        <p:nvSpPr>
-          <p:cNvPr id="3" name="Marcador de contenido 2">
-            <a:extLst>
-              <a:ext uri="{FF2B5EF4-FFF2-40B4-BE49-F238E27FC236}">
-                <a16:creationId xmlns:a16="http://schemas.microsoft.com/office/drawing/2014/main" id="{05787489-A60D-41B1-C292-C2F1F51C9A3C}"/>
-              </a:ext>
-            </a:extLst>
-          </p:cNvPr>
-          <p:cNvSpPr>
-            <a:spLocks noGrp="1"/>
-          </p:cNvSpPr>
-          <p:nvPr>
-            <p:ph idx="1"/>
-          </p:nvPr>
-        </p:nvSpPr>
-        <p:spPr/>
-        <p:txBody>
-          <a:bodyPr/>
-          <a:lstStyle/>
-          <a:p>
-            <a:r>
-              <a:rPr lang="es-ES" dirty="0"/>
-              <a:t>Tutorial de una mariposa: https://www.youtube.com/watch?v=4tNkmHrAtSY</a:t>
-            </a:r>
-            <a:endParaRPr lang="es-MX" dirty="0"/>
-          </a:p>
-        </p:txBody>
-      </p:sp>
-    </p:spTree>
-    <p:extLst>
-      <p:ext uri="{BB962C8B-B14F-4D97-AF65-F5344CB8AC3E}">
-        <p14:creationId xmlns:p14="http://schemas.microsoft.com/office/powerpoint/2010/main" val="3583469908"/>
+        <p14:creationId xmlns:p14="http://schemas.microsoft.com/office/powerpoint/2010/main" val="3749270849"/>
       </p:ext>
     </p:extLst>
   </p:cSld>
